--- a/doc/Group9Pre.pptx
+++ b/doc/Group9Pre.pptx
@@ -5,7 +5,7 @@
     <p:sldMasterId id="2147483715" r:id="rId1"/>
   </p:sldMasterIdLst>
   <p:notesMasterIdLst>
-    <p:notesMasterId r:id="rId12"/>
+    <p:notesMasterId r:id="rId11"/>
   </p:notesMasterIdLst>
   <p:sldIdLst>
     <p:sldId id="256" r:id="rId2"/>
@@ -13,11 +13,10 @@
     <p:sldId id="278" r:id="rId4"/>
     <p:sldId id="287" r:id="rId5"/>
     <p:sldId id="288" r:id="rId6"/>
-    <p:sldId id="289" r:id="rId7"/>
-    <p:sldId id="290" r:id="rId8"/>
-    <p:sldId id="291" r:id="rId9"/>
-    <p:sldId id="292" r:id="rId10"/>
-    <p:sldId id="293" r:id="rId11"/>
+    <p:sldId id="290" r:id="rId7"/>
+    <p:sldId id="291" r:id="rId8"/>
+    <p:sldId id="292" r:id="rId9"/>
+    <p:sldId id="293" r:id="rId10"/>
   </p:sldIdLst>
   <p:sldSz cx="12192000" cy="6858000"/>
   <p:notesSz cx="6858000" cy="9144000"/>
@@ -743,7 +742,7 @@
     </p:spTree>
     <p:extLst>
       <p:ext uri="{BB962C8B-B14F-4D97-AF65-F5344CB8AC3E}">
-        <p14:creationId xmlns:p14="http://schemas.microsoft.com/office/powerpoint/2010/main" val="1971793908"/>
+        <p14:creationId xmlns:p14="http://schemas.microsoft.com/office/powerpoint/2010/main" val="3794415260"/>
       </p:ext>
     </p:extLst>
   </p:cSld>
@@ -830,101 +829,6 @@
             <a:fld id="{0EFFAFFF-5701-5C48-BE78-71416871242D}" type="slidenum">
               <a:rPr lang="en-US" smtClean="0"/>
               <a:t>7</a:t>
-            </a:fld>
-            <a:endParaRPr lang="en-US"/>
-          </a:p>
-        </p:txBody>
-      </p:sp>
-    </p:spTree>
-    <p:extLst>
-      <p:ext uri="{BB962C8B-B14F-4D97-AF65-F5344CB8AC3E}">
-        <p14:creationId xmlns:p14="http://schemas.microsoft.com/office/powerpoint/2010/main" val="3794415260"/>
-      </p:ext>
-    </p:extLst>
-  </p:cSld>
-  <p:clrMapOvr>
-    <a:masterClrMapping/>
-  </p:clrMapOvr>
-</p:notes>
-</file>
-
-<file path=ppt/notesSlides/notesSlide5.xml><?xml version="1.0" encoding="utf-8"?>
-<p:notes xmlns:a="http://schemas.openxmlformats.org/drawingml/2006/main" xmlns:r="http://schemas.openxmlformats.org/officeDocument/2006/relationships" xmlns:p="http://schemas.openxmlformats.org/presentationml/2006/main">
-  <p:cSld>
-    <p:spTree>
-      <p:nvGrpSpPr>
-        <p:cNvPr id="1" name=""/>
-        <p:cNvGrpSpPr/>
-        <p:nvPr/>
-      </p:nvGrpSpPr>
-      <p:grpSpPr>
-        <a:xfrm>
-          <a:off x="0" y="0"/>
-          <a:ext cx="0" cy="0"/>
-          <a:chOff x="0" y="0"/>
-          <a:chExt cx="0" cy="0"/>
-        </a:xfrm>
-      </p:grpSpPr>
-      <p:sp>
-        <p:nvSpPr>
-          <p:cNvPr id="2" name="Slide Image Placeholder 1"/>
-          <p:cNvSpPr>
-            <a:spLocks noGrp="1" noRot="1" noChangeAspect="1"/>
-          </p:cNvSpPr>
-          <p:nvPr>
-            <p:ph type="sldImg"/>
-          </p:nvPr>
-        </p:nvSpPr>
-        <p:spPr/>
-      </p:sp>
-      <p:sp>
-        <p:nvSpPr>
-          <p:cNvPr id="3" name="Notes Placeholder 2"/>
-          <p:cNvSpPr>
-            <a:spLocks noGrp="1"/>
-          </p:cNvSpPr>
-          <p:nvPr>
-            <p:ph type="body" idx="1"/>
-          </p:nvPr>
-        </p:nvSpPr>
-        <p:spPr/>
-        <p:txBody>
-          <a:bodyPr/>
-          <a:lstStyle/>
-          <a:p>
-            <a:r>
-              <a:rPr lang="en-US" dirty="0"/>
-              <a:t>Choose the </a:t>
-            </a:r>
-            <a:r>
-              <a:rPr lang="en-US" dirty="0" err="1"/>
-              <a:t>simpliest</a:t>
-            </a:r>
-            <a:r>
-              <a:rPr lang="en-US" dirty="0"/>
-              <a:t> model whose error is no more than 1 standard error above the error of the best model</a:t>
-            </a:r>
-          </a:p>
-        </p:txBody>
-      </p:sp>
-      <p:sp>
-        <p:nvSpPr>
-          <p:cNvPr id="4" name="Slide Number Placeholder 3"/>
-          <p:cNvSpPr>
-            <a:spLocks noGrp="1"/>
-          </p:cNvSpPr>
-          <p:nvPr>
-            <p:ph type="sldNum" sz="quarter" idx="5"/>
-          </p:nvPr>
-        </p:nvSpPr>
-        <p:spPr/>
-        <p:txBody>
-          <a:bodyPr/>
-          <a:lstStyle/>
-          <a:p>
-            <a:fld id="{0EFFAFFF-5701-5C48-BE78-71416871242D}" type="slidenum">
-              <a:rPr lang="en-US" smtClean="0"/>
-              <a:t>8</a:t>
             </a:fld>
             <a:endParaRPr lang="en-US"/>
           </a:p>
@@ -4302,79 +4206,6 @@
 </p:sld>
 </file>
 
-<file path=ppt/slides/slide10.xml><?xml version="1.0" encoding="utf-8"?>
-<p:sld xmlns:a="http://schemas.openxmlformats.org/drawingml/2006/main" xmlns:r="http://schemas.openxmlformats.org/officeDocument/2006/relationships" xmlns:p="http://schemas.openxmlformats.org/presentationml/2006/main">
-  <p:cSld>
-    <p:spTree>
-      <p:nvGrpSpPr>
-        <p:cNvPr id="1" name=""/>
-        <p:cNvGrpSpPr/>
-        <p:nvPr/>
-      </p:nvGrpSpPr>
-      <p:grpSpPr>
-        <a:xfrm>
-          <a:off x="0" y="0"/>
-          <a:ext cx="0" cy="0"/>
-          <a:chOff x="0" y="0"/>
-          <a:chExt cx="0" cy="0"/>
-        </a:xfrm>
-      </p:grpSpPr>
-      <p:sp>
-        <p:nvSpPr>
-          <p:cNvPr id="2" name="Title 1">
-            <a:extLst>
-              <a:ext uri="{FF2B5EF4-FFF2-40B4-BE49-F238E27FC236}">
-                <a16:creationId xmlns:a16="http://schemas.microsoft.com/office/drawing/2014/main" id="{9E60D901-8E58-0840-8DE1-357A0D6EDFD5}"/>
-              </a:ext>
-            </a:extLst>
-          </p:cNvPr>
-          <p:cNvSpPr>
-            <a:spLocks noGrp="1"/>
-          </p:cNvSpPr>
-          <p:nvPr>
-            <p:ph type="title"/>
-          </p:nvPr>
-        </p:nvSpPr>
-        <p:spPr>
-          <a:xfrm>
-            <a:off x="866775" y="4337050"/>
-            <a:ext cx="10515600" cy="1325563"/>
-          </a:xfrm>
-        </p:spPr>
-        <p:txBody>
-          <a:bodyPr/>
-          <a:lstStyle/>
-          <a:p>
-            <a:pPr algn="r"/>
-            <a:r>
-              <a:rPr lang="en-US" altLang="zh-CN" dirty="0"/>
-              <a:t>Thank</a:t>
-            </a:r>
-            <a:r>
-              <a:rPr lang="zh-CN" altLang="en-US" dirty="0"/>
-              <a:t> </a:t>
-            </a:r>
-            <a:r>
-              <a:rPr lang="en-US" altLang="zh-CN" dirty="0"/>
-              <a:t>you!</a:t>
-            </a:r>
-            <a:endParaRPr lang="en-US" dirty="0"/>
-          </a:p>
-        </p:txBody>
-      </p:sp>
-    </p:spTree>
-    <p:extLst>
-      <p:ext uri="{BB962C8B-B14F-4D97-AF65-F5344CB8AC3E}">
-        <p14:creationId xmlns:p14="http://schemas.microsoft.com/office/powerpoint/2010/main" val="451203428"/>
-      </p:ext>
-    </p:extLst>
-  </p:cSld>
-  <p:clrMapOvr>
-    <a:masterClrMapping/>
-  </p:clrMapOvr>
-</p:sld>
-</file>
-
 <file path=ppt/slides/slide2.xml><?xml version="1.0" encoding="utf-8"?>
 <p:sld xmlns:a="http://schemas.openxmlformats.org/drawingml/2006/main" xmlns:r="http://schemas.openxmlformats.org/officeDocument/2006/relationships" xmlns:p="http://schemas.openxmlformats.org/presentationml/2006/main">
   <p:cSld>
@@ -5589,9 +5420,9 @@
           <p:grpSpPr>
             <a:xfrm>
               <a:off x="6773827" y="1573690"/>
-              <a:ext cx="3432481" cy="1601155"/>
+              <a:ext cx="3432481" cy="2524484"/>
               <a:chOff x="831248" y="1561368"/>
-              <a:chExt cx="3432481" cy="1601155"/>
+              <a:chExt cx="3432481" cy="2524484"/>
             </a:xfrm>
           </p:grpSpPr>
           <p:sp>
@@ -5603,7 +5434,7 @@
             <p:spPr>
               <a:xfrm>
                 <a:off x="1092006" y="2146860"/>
-                <a:ext cx="3171723" cy="1015663"/>
+                <a:ext cx="3171723" cy="1938992"/>
               </a:xfrm>
               <a:prstGeom prst="rect">
                 <a:avLst/>
@@ -5630,7 +5461,61 @@
                     <a:latin typeface="Arial" pitchFamily="34" charset="0"/>
                     <a:cs typeface="Arial" pitchFamily="34" charset="0"/>
                   </a:rPr>
-                  <a:t>Larger neighbour around the sample point</a:t>
+                  <a:t>Larger neighbour around the sample point:</a:t>
+                </a:r>
+              </a:p>
+              <a:p>
+                <a:r>
+                  <a:rPr lang="en-US" altLang="zh-CN" sz="2000" dirty="0">
+                    <a:solidFill>
+                      <a:schemeClr val="tx1">
+                        <a:lumMod val="65000"/>
+                        <a:lumOff val="35000"/>
+                      </a:schemeClr>
+                    </a:solidFill>
+                    <a:latin typeface="Arial" pitchFamily="34" charset="0"/>
+                    <a:cs typeface="Arial" pitchFamily="34" charset="0"/>
+                  </a:rPr>
+                  <a:t>Discard:</a:t>
+                </a:r>
+                <a:r>
+                  <a:rPr lang="zh-CN" altLang="en-US" sz="2000" dirty="0">
+                    <a:solidFill>
+                      <a:schemeClr val="tx1">
+                        <a:lumMod val="65000"/>
+                        <a:lumOff val="35000"/>
+                      </a:schemeClr>
+                    </a:solidFill>
+                    <a:latin typeface="Arial" pitchFamily="34" charset="0"/>
+                    <a:cs typeface="Arial" pitchFamily="34" charset="0"/>
+                  </a:rPr>
+                  <a:t> </a:t>
+                </a:r>
+                <a:r>
+                  <a:rPr lang="en-US" altLang="zh-CN" sz="2000" dirty="0">
+                    <a:solidFill>
+                      <a:schemeClr val="tx1">
+                        <a:lumMod val="65000"/>
+                        <a:lumOff val="35000"/>
+                      </a:schemeClr>
+                    </a:solidFill>
+                    <a:latin typeface="Arial" pitchFamily="34" charset="0"/>
+                    <a:cs typeface="Arial" pitchFamily="34" charset="0"/>
+                  </a:rPr>
+                  <a:t>n</a:t>
+                </a:r>
+                <a:r>
+                  <a:rPr lang="en-IN" sz="2000" dirty="0">
+                    <a:solidFill>
+                      <a:schemeClr val="tx1">
+                        <a:lumMod val="65000"/>
+                        <a:lumOff val="35000"/>
+                      </a:schemeClr>
+                    </a:solidFill>
+                    <a:latin typeface="Arial" pitchFamily="34" charset="0"/>
+                    <a:cs typeface="Arial" pitchFamily="34" charset="0"/>
+                  </a:rPr>
+                  <a:t>o much improvement on PSNR, but slower extraction process</a:t>
                 </a:r>
               </a:p>
               <a:p>
@@ -5667,6 +5552,83 @@
                   </a:rPr>
                   <a:t>More pixel points sampled from each image</a:t>
                 </a:r>
+              </a:p>
+              <a:p>
+                <a:r>
+                  <a:rPr lang="en-US" altLang="zh-CN" sz="2000" dirty="0">
+                    <a:solidFill>
+                      <a:schemeClr val="tx1">
+                        <a:lumMod val="65000"/>
+                        <a:lumOff val="35000"/>
+                      </a:schemeClr>
+                    </a:solidFill>
+                    <a:latin typeface="Arial" pitchFamily="34" charset="0"/>
+                    <a:cs typeface="Arial" pitchFamily="34" charset="0"/>
+                  </a:rPr>
+                  <a:t>Accept:</a:t>
+                </a:r>
+                <a:r>
+                  <a:rPr lang="zh-CN" altLang="en-US" sz="2000" dirty="0">
+                    <a:solidFill>
+                      <a:schemeClr val="tx1">
+                        <a:lumMod val="65000"/>
+                        <a:lumOff val="35000"/>
+                      </a:schemeClr>
+                    </a:solidFill>
+                    <a:latin typeface="Arial" pitchFamily="34" charset="0"/>
+                    <a:cs typeface="Arial" pitchFamily="34" charset="0"/>
+                  </a:rPr>
+                  <a:t> </a:t>
+                </a:r>
+                <a:r>
+                  <a:rPr lang="en-US" altLang="zh-CN" sz="2000" dirty="0">
+                    <a:solidFill>
+                      <a:schemeClr val="tx1">
+                        <a:lumMod val="65000"/>
+                        <a:lumOff val="35000"/>
+                      </a:schemeClr>
+                    </a:solidFill>
+                    <a:latin typeface="Arial" pitchFamily="34" charset="0"/>
+                    <a:cs typeface="Arial" pitchFamily="34" charset="0"/>
+                  </a:rPr>
+                  <a:t>improved</a:t>
+                </a:r>
+                <a:r>
+                  <a:rPr lang="zh-CN" altLang="en-US" sz="2000" dirty="0">
+                    <a:solidFill>
+                      <a:schemeClr val="tx1">
+                        <a:lumMod val="65000"/>
+                        <a:lumOff val="35000"/>
+                      </a:schemeClr>
+                    </a:solidFill>
+                    <a:latin typeface="Arial" pitchFamily="34" charset="0"/>
+                    <a:cs typeface="Arial" pitchFamily="34" charset="0"/>
+                  </a:rPr>
+                  <a:t> </a:t>
+                </a:r>
+                <a:r>
+                  <a:rPr lang="en-US" altLang="zh-CN" sz="2000" dirty="0">
+                    <a:solidFill>
+                      <a:schemeClr val="tx1">
+                        <a:lumMod val="65000"/>
+                        <a:lumOff val="35000"/>
+                      </a:schemeClr>
+                    </a:solidFill>
+                    <a:latin typeface="Arial" pitchFamily="34" charset="0"/>
+                    <a:cs typeface="Arial" pitchFamily="34" charset="0"/>
+                  </a:rPr>
+                  <a:t>PSNR</a:t>
+                </a:r>
+                <a:endParaRPr lang="en-IN" sz="2000" dirty="0">
+                  <a:solidFill>
+                    <a:schemeClr val="tx1">
+                      <a:lumMod val="65000"/>
+                      <a:lumOff val="35000"/>
+                    </a:schemeClr>
+                  </a:solidFill>
+                  <a:latin typeface="Arial" pitchFamily="34" charset="0"/>
+                  <a:cs typeface="Arial" pitchFamily="34" charset="0"/>
+                </a:endParaRPr>
               </a:p>
             </p:txBody>
           </p:sp>
@@ -6289,9 +6251,9 @@
           <p:grpSpPr>
             <a:xfrm>
               <a:off x="6773827" y="1573690"/>
-              <a:ext cx="3432481" cy="1601155"/>
+              <a:ext cx="3432481" cy="2216708"/>
               <a:chOff x="831248" y="1561368"/>
-              <a:chExt cx="3432481" cy="1601155"/>
+              <a:chExt cx="3432481" cy="2216708"/>
             </a:xfrm>
           </p:grpSpPr>
           <p:sp>
@@ -6303,7 +6265,7 @@
             <p:spPr>
               <a:xfrm>
                 <a:off x="1092006" y="2146860"/>
-                <a:ext cx="3171723" cy="1015663"/>
+                <a:ext cx="3171723" cy="1631216"/>
               </a:xfrm>
               <a:prstGeom prst="rect">
                 <a:avLst/>
@@ -6573,7 +6535,282 @@
                     <a:latin typeface="Arial" pitchFamily="34" charset="0"/>
                     <a:cs typeface="Arial" pitchFamily="34" charset="0"/>
                   </a:rPr>
-                  <a:t>parameters</a:t>
+                  <a:t>parameters:</a:t>
+                </a:r>
+              </a:p>
+              <a:p>
+                <a:r>
+                  <a:rPr lang="en-US" altLang="zh-CN" sz="2000" dirty="0">
+                    <a:solidFill>
+                      <a:schemeClr val="tx1">
+                        <a:lumMod val="65000"/>
+                        <a:lumOff val="35000"/>
+                      </a:schemeClr>
+                    </a:solidFill>
+                    <a:latin typeface="Arial" pitchFamily="34" charset="0"/>
+                    <a:cs typeface="Arial" pitchFamily="34" charset="0"/>
+                  </a:rPr>
+                  <a:t>Candidate:</a:t>
+                </a:r>
+                <a:r>
+                  <a:rPr lang="zh-CN" altLang="en-US" sz="2000" dirty="0">
+                    <a:solidFill>
+                      <a:schemeClr val="tx1">
+                        <a:lumMod val="65000"/>
+                        <a:lumOff val="35000"/>
+                      </a:schemeClr>
+                    </a:solidFill>
+                    <a:latin typeface="Arial" pitchFamily="34" charset="0"/>
+                    <a:cs typeface="Arial" pitchFamily="34" charset="0"/>
+                  </a:rPr>
+                  <a:t> </a:t>
+                </a:r>
+                <a:r>
+                  <a:rPr lang="en-US" altLang="zh-CN" sz="2000" dirty="0">
+                    <a:solidFill>
+                      <a:schemeClr val="tx1">
+                        <a:lumMod val="65000"/>
+                        <a:lumOff val="35000"/>
+                      </a:schemeClr>
+                    </a:solidFill>
+                    <a:latin typeface="Arial" pitchFamily="34" charset="0"/>
+                    <a:cs typeface="Arial" pitchFamily="34" charset="0"/>
+                  </a:rPr>
+                  <a:t>“eta”</a:t>
+                </a:r>
+                <a:r>
+                  <a:rPr lang="zh-CN" altLang="en-US" sz="2000" dirty="0">
+                    <a:solidFill>
+                      <a:schemeClr val="tx1">
+                        <a:lumMod val="65000"/>
+                        <a:lumOff val="35000"/>
+                      </a:schemeClr>
+                    </a:solidFill>
+                    <a:latin typeface="Arial" pitchFamily="34" charset="0"/>
+                    <a:cs typeface="Arial" pitchFamily="34" charset="0"/>
+                  </a:rPr>
+                  <a:t> </a:t>
+                </a:r>
+                <a:r>
+                  <a:rPr lang="en-US" altLang="zh-CN" sz="2000" dirty="0">
+                    <a:solidFill>
+                      <a:schemeClr val="tx1">
+                        <a:lumMod val="65000"/>
+                        <a:lumOff val="35000"/>
+                      </a:schemeClr>
+                    </a:solidFill>
+                    <a:latin typeface="Arial" pitchFamily="34" charset="0"/>
+                    <a:cs typeface="Arial" pitchFamily="34" charset="0"/>
+                  </a:rPr>
+                  <a:t>(learning</a:t>
+                </a:r>
+                <a:r>
+                  <a:rPr lang="zh-CN" altLang="en-US" sz="2000" dirty="0">
+                    <a:solidFill>
+                      <a:schemeClr val="tx1">
+                        <a:lumMod val="65000"/>
+                        <a:lumOff val="35000"/>
+                      </a:schemeClr>
+                    </a:solidFill>
+                    <a:latin typeface="Arial" pitchFamily="34" charset="0"/>
+                    <a:cs typeface="Arial" pitchFamily="34" charset="0"/>
+                  </a:rPr>
+                  <a:t> </a:t>
+                </a:r>
+                <a:r>
+                  <a:rPr lang="en-US" altLang="zh-CN" sz="2000" dirty="0">
+                    <a:solidFill>
+                      <a:schemeClr val="tx1">
+                        <a:lumMod val="65000"/>
+                        <a:lumOff val="35000"/>
+                      </a:schemeClr>
+                    </a:solidFill>
+                    <a:latin typeface="Arial" pitchFamily="34" charset="0"/>
+                    <a:cs typeface="Arial" pitchFamily="34" charset="0"/>
+                  </a:rPr>
+                  <a:t>rate),</a:t>
+                </a:r>
+                <a:r>
+                  <a:rPr lang="zh-CN" altLang="en-US" sz="2000" dirty="0">
+                    <a:solidFill>
+                      <a:schemeClr val="tx1">
+                        <a:lumMod val="65000"/>
+                        <a:lumOff val="35000"/>
+                      </a:schemeClr>
+                    </a:solidFill>
+                    <a:latin typeface="Arial" pitchFamily="34" charset="0"/>
+                    <a:cs typeface="Arial" pitchFamily="34" charset="0"/>
+                  </a:rPr>
+                  <a:t> </a:t>
+                </a:r>
+                <a:r>
+                  <a:rPr lang="en-US" altLang="zh-CN" sz="2000" dirty="0">
+                    <a:solidFill>
+                      <a:schemeClr val="tx1">
+                        <a:lumMod val="65000"/>
+                        <a:lumOff val="35000"/>
+                      </a:schemeClr>
+                    </a:solidFill>
+                    <a:latin typeface="Arial" pitchFamily="34" charset="0"/>
+                    <a:cs typeface="Arial" pitchFamily="34" charset="0"/>
+                  </a:rPr>
+                  <a:t>“</a:t>
+                </a:r>
+                <a:r>
+                  <a:rPr lang="en-US" altLang="zh-CN" sz="2000" dirty="0" err="1">
+                    <a:solidFill>
+                      <a:schemeClr val="tx1">
+                        <a:lumMod val="65000"/>
+                        <a:lumOff val="35000"/>
+                      </a:schemeClr>
+                    </a:solidFill>
+                    <a:latin typeface="Arial" pitchFamily="34" charset="0"/>
+                    <a:cs typeface="Arial" pitchFamily="34" charset="0"/>
+                  </a:rPr>
+                  <a:t>max_depth</a:t>
+                </a:r>
+                <a:r>
+                  <a:rPr lang="en-US" altLang="zh-CN" sz="2000" dirty="0">
+                    <a:solidFill>
+                      <a:schemeClr val="tx1">
+                        <a:lumMod val="65000"/>
+                        <a:lumOff val="35000"/>
+                      </a:schemeClr>
+                    </a:solidFill>
+                    <a:latin typeface="Arial" pitchFamily="34" charset="0"/>
+                    <a:cs typeface="Arial" pitchFamily="34" charset="0"/>
+                  </a:rPr>
+                  <a:t>”,</a:t>
+                </a:r>
+                <a:r>
+                  <a:rPr lang="zh-CN" altLang="en-US" sz="2000" dirty="0">
+                    <a:solidFill>
+                      <a:schemeClr val="tx1">
+                        <a:lumMod val="65000"/>
+                        <a:lumOff val="35000"/>
+                      </a:schemeClr>
+                    </a:solidFill>
+                    <a:latin typeface="Arial" pitchFamily="34" charset="0"/>
+                    <a:cs typeface="Arial" pitchFamily="34" charset="0"/>
+                  </a:rPr>
+                  <a:t> </a:t>
+                </a:r>
+                <a:r>
+                  <a:rPr lang="en-US" altLang="zh-CN" sz="2000" dirty="0">
+                    <a:solidFill>
+                      <a:schemeClr val="tx1">
+                        <a:lumMod val="65000"/>
+                        <a:lumOff val="35000"/>
+                      </a:schemeClr>
+                    </a:solidFill>
+                    <a:latin typeface="Arial" pitchFamily="34" charset="0"/>
+                    <a:cs typeface="Arial" pitchFamily="34" charset="0"/>
+                  </a:rPr>
+                  <a:t>“subsample”,</a:t>
+                </a:r>
+                <a:r>
+                  <a:rPr lang="zh-CN" altLang="en-US" sz="2000" dirty="0">
+                    <a:solidFill>
+                      <a:schemeClr val="tx1">
+                        <a:lumMod val="65000"/>
+                        <a:lumOff val="35000"/>
+                      </a:schemeClr>
+                    </a:solidFill>
+                    <a:latin typeface="Arial" pitchFamily="34" charset="0"/>
+                    <a:cs typeface="Arial" pitchFamily="34" charset="0"/>
+                  </a:rPr>
+                  <a:t> </a:t>
+                </a:r>
+                <a:r>
+                  <a:rPr lang="en-US" altLang="zh-CN" sz="2000" dirty="0">
+                    <a:solidFill>
+                      <a:schemeClr val="tx1">
+                        <a:lumMod val="65000"/>
+                        <a:lumOff val="35000"/>
+                      </a:schemeClr>
+                    </a:solidFill>
+                    <a:latin typeface="Arial" pitchFamily="34" charset="0"/>
+                    <a:cs typeface="Arial" pitchFamily="34" charset="0"/>
+                  </a:rPr>
+                  <a:t>“</a:t>
+                </a:r>
+                <a:r>
+                  <a:rPr lang="en-US" altLang="zh-CN" sz="2000" dirty="0" err="1">
+                    <a:solidFill>
+                      <a:schemeClr val="tx1">
+                        <a:lumMod val="65000"/>
+                        <a:lumOff val="35000"/>
+                      </a:schemeClr>
+                    </a:solidFill>
+                    <a:latin typeface="Arial" pitchFamily="34" charset="0"/>
+                    <a:cs typeface="Arial" pitchFamily="34" charset="0"/>
+                  </a:rPr>
+                  <a:t>colsample_bytree</a:t>
+                </a:r>
+                <a:r>
+                  <a:rPr lang="en-US" altLang="zh-CN" sz="2000" dirty="0">
+                    <a:solidFill>
+                      <a:schemeClr val="tx1">
+                        <a:lumMod val="65000"/>
+                        <a:lumOff val="35000"/>
+                      </a:schemeClr>
+                    </a:solidFill>
+                    <a:latin typeface="Arial" pitchFamily="34" charset="0"/>
+                    <a:cs typeface="Arial" pitchFamily="34" charset="0"/>
+                  </a:rPr>
+                  <a:t>”,</a:t>
+                </a:r>
+                <a:r>
+                  <a:rPr lang="zh-CN" altLang="en-US" sz="2000" dirty="0">
+                    <a:solidFill>
+                      <a:schemeClr val="tx1">
+                        <a:lumMod val="65000"/>
+                        <a:lumOff val="35000"/>
+                      </a:schemeClr>
+                    </a:solidFill>
+                    <a:latin typeface="Arial" pitchFamily="34" charset="0"/>
+                    <a:cs typeface="Arial" pitchFamily="34" charset="0"/>
+                  </a:rPr>
+                  <a:t> </a:t>
+                </a:r>
+                <a:r>
+                  <a:rPr lang="en-US" altLang="zh-CN" sz="2000" dirty="0">
+                    <a:solidFill>
+                      <a:schemeClr val="tx1">
+                        <a:lumMod val="65000"/>
+                        <a:lumOff val="35000"/>
+                      </a:schemeClr>
+                    </a:solidFill>
+                    <a:latin typeface="Arial" pitchFamily="34" charset="0"/>
+                    <a:cs typeface="Arial" pitchFamily="34" charset="0"/>
+                  </a:rPr>
+                  <a:t>“</a:t>
+                </a:r>
+                <a:r>
+                  <a:rPr lang="en-US" altLang="zh-CN" sz="2000" dirty="0" err="1">
+                    <a:solidFill>
+                      <a:schemeClr val="tx1">
+                        <a:lumMod val="65000"/>
+                        <a:lumOff val="35000"/>
+                      </a:schemeClr>
+                    </a:solidFill>
+                    <a:latin typeface="Arial" pitchFamily="34" charset="0"/>
+                    <a:cs typeface="Arial" pitchFamily="34" charset="0"/>
+                  </a:rPr>
+                  <a:t>num_parallel_tree</a:t>
+                </a:r>
+                <a:r>
+                  <a:rPr lang="en-US" altLang="zh-CN" sz="2000" dirty="0">
+                    <a:solidFill>
+                      <a:schemeClr val="tx1">
+                        <a:lumMod val="65000"/>
+                        <a:lumOff val="35000"/>
+                      </a:schemeClr>
+                    </a:solidFill>
+                    <a:latin typeface="Arial" pitchFamily="34" charset="0"/>
+                    <a:cs typeface="Arial" pitchFamily="34" charset="0"/>
+                  </a:rPr>
+                  <a:t>”</a:t>
                 </a:r>
                 <a:endParaRPr lang="en-IN" sz="2000" dirty="0">
                   <a:solidFill>
@@ -6676,544 +6913,6 @@
 </file>
 
 <file path=ppt/slides/slide6.xml><?xml version="1.0" encoding="utf-8"?>
-<p:sld xmlns:a="http://schemas.openxmlformats.org/drawingml/2006/main" xmlns:r="http://schemas.openxmlformats.org/officeDocument/2006/relationships" xmlns:p="http://schemas.openxmlformats.org/presentationml/2006/main">
-  <p:cSld>
-    <p:spTree>
-      <p:nvGrpSpPr>
-        <p:cNvPr id="1" name=""/>
-        <p:cNvGrpSpPr/>
-        <p:nvPr/>
-      </p:nvGrpSpPr>
-      <p:grpSpPr>
-        <a:xfrm>
-          <a:off x="0" y="0"/>
-          <a:ext cx="0" cy="0"/>
-          <a:chOff x="0" y="0"/>
-          <a:chExt cx="0" cy="0"/>
-        </a:xfrm>
-      </p:grpSpPr>
-      <p:sp>
-        <p:nvSpPr>
-          <p:cNvPr id="2" name="Title 1"/>
-          <p:cNvSpPr>
-            <a:spLocks noGrp="1"/>
-          </p:cNvSpPr>
-          <p:nvPr>
-            <p:ph type="title"/>
-          </p:nvPr>
-        </p:nvSpPr>
-        <p:spPr/>
-        <p:txBody>
-          <a:bodyPr/>
-          <a:lstStyle/>
-          <a:p>
-            <a:r>
-              <a:rPr lang="en-US" altLang="zh-CN" dirty="0">
-                <a:solidFill>
-                  <a:schemeClr val="tx1">
-                    <a:lumMod val="75000"/>
-                    <a:lumOff val="25000"/>
-                  </a:schemeClr>
-                </a:solidFill>
-              </a:rPr>
-              <a:t>Proposed</a:t>
-            </a:r>
-            <a:r>
-              <a:rPr lang="zh-CN" altLang="en-US" dirty="0">
-                <a:solidFill>
-                  <a:schemeClr val="tx1">
-                    <a:lumMod val="75000"/>
-                    <a:lumOff val="25000"/>
-                  </a:schemeClr>
-                </a:solidFill>
-              </a:rPr>
-              <a:t> </a:t>
-            </a:r>
-            <a:r>
-              <a:rPr lang="en-US" altLang="zh-CN" dirty="0">
-                <a:solidFill>
-                  <a:schemeClr val="tx1">
-                    <a:lumMod val="75000"/>
-                    <a:lumOff val="25000"/>
-                  </a:schemeClr>
-                </a:solidFill>
-              </a:rPr>
-              <a:t>Algorithm</a:t>
-            </a:r>
-            <a:endParaRPr lang="en-IN" dirty="0">
-              <a:solidFill>
-                <a:schemeClr val="tx1">
-                  <a:lumMod val="75000"/>
-                  <a:lumOff val="25000"/>
-                </a:schemeClr>
-              </a:solidFill>
-            </a:endParaRPr>
-          </a:p>
-        </p:txBody>
-      </p:sp>
-      <p:grpSp>
-        <p:nvGrpSpPr>
-          <p:cNvPr id="30" name="Group 29"/>
-          <p:cNvGrpSpPr/>
-          <p:nvPr/>
-        </p:nvGrpSpPr>
-        <p:grpSpPr>
-          <a:xfrm>
-            <a:off x="1035595" y="1603922"/>
-            <a:ext cx="9965780" cy="4118672"/>
-            <a:chOff x="6005930" y="1569962"/>
-            <a:chExt cx="4200378" cy="4118672"/>
-          </a:xfrm>
-        </p:grpSpPr>
-        <p:sp>
-          <p:nvSpPr>
-            <p:cNvPr id="16" name="Rectangle 15"/>
-            <p:cNvSpPr/>
-            <p:nvPr/>
-          </p:nvSpPr>
-          <p:spPr>
-            <a:xfrm>
-              <a:off x="6005930" y="1569962"/>
-              <a:ext cx="767897" cy="989329"/>
-            </a:xfrm>
-            <a:prstGeom prst="rect">
-              <a:avLst/>
-            </a:prstGeom>
-            <a:ln>
-              <a:noFill/>
-            </a:ln>
-          </p:spPr>
-          <p:style>
-            <a:lnRef idx="2">
-              <a:schemeClr val="accent1">
-                <a:shade val="50000"/>
-              </a:schemeClr>
-            </a:lnRef>
-            <a:fillRef idx="1">
-              <a:schemeClr val="accent1"/>
-            </a:fillRef>
-            <a:effectRef idx="0">
-              <a:schemeClr val="accent1"/>
-            </a:effectRef>
-            <a:fontRef idx="minor">
-              <a:schemeClr val="lt1"/>
-            </a:fontRef>
-          </p:style>
-          <p:txBody>
-            <a:bodyPr rtlCol="0" anchor="ctr"/>
-            <a:lstStyle/>
-            <a:p>
-              <a:pPr algn="ctr"/>
-              <a:r>
-                <a:rPr lang="en-US" altLang="zh-CN" sz="3200" b="1" dirty="0">
-                  <a:latin typeface="Arial" pitchFamily="34" charset="0"/>
-                  <a:cs typeface="Arial" pitchFamily="34" charset="0"/>
-                </a:rPr>
-                <a:t>Intuition</a:t>
-              </a:r>
-              <a:endParaRPr lang="en-IN" sz="3200" b="1" dirty="0">
-                <a:latin typeface="Arial" pitchFamily="34" charset="0"/>
-                <a:cs typeface="Arial" pitchFamily="34" charset="0"/>
-              </a:endParaRPr>
-            </a:p>
-          </p:txBody>
-        </p:sp>
-        <p:grpSp>
-          <p:nvGrpSpPr>
-            <p:cNvPr id="85" name="Group 84"/>
-            <p:cNvGrpSpPr/>
-            <p:nvPr/>
-          </p:nvGrpSpPr>
-          <p:grpSpPr>
-            <a:xfrm>
-              <a:off x="6773827" y="1573690"/>
-              <a:ext cx="3432481" cy="1601155"/>
-              <a:chOff x="831248" y="1561368"/>
-              <a:chExt cx="3432481" cy="1601155"/>
-            </a:xfrm>
-          </p:grpSpPr>
-          <p:sp>
-            <p:nvSpPr>
-              <p:cNvPr id="86" name="Rectangle 85"/>
-              <p:cNvSpPr/>
-              <p:nvPr/>
-            </p:nvSpPr>
-            <p:spPr>
-              <a:xfrm>
-                <a:off x="1092006" y="2146860"/>
-                <a:ext cx="3171723" cy="1015663"/>
-              </a:xfrm>
-              <a:prstGeom prst="rect">
-                <a:avLst/>
-              </a:prstGeom>
-            </p:spPr>
-            <p:txBody>
-              <a:bodyPr wrap="square">
-                <a:spAutoFit/>
-              </a:bodyPr>
-              <a:lstStyle/>
-              <a:p>
-                <a:pPr marL="342900" indent="-342900">
-                  <a:buFont typeface="Arial" panose="020B0604020202020204" pitchFamily="34" charset="0"/>
-                  <a:buChar char="•"/>
-                </a:pPr>
-                <a:r>
-                  <a:rPr lang="en-US" altLang="zh-CN" sz="2000" dirty="0">
-                    <a:solidFill>
-                      <a:schemeClr val="tx1">
-                        <a:lumMod val="65000"/>
-                        <a:lumOff val="35000"/>
-                      </a:schemeClr>
-                    </a:solidFill>
-                    <a:latin typeface="Arial" pitchFamily="34" charset="0"/>
-                    <a:cs typeface="Arial" pitchFamily="34" charset="0"/>
-                  </a:rPr>
-                  <a:t>“</a:t>
-                </a:r>
-                <a:r>
-                  <a:rPr lang="en-US" altLang="zh-CN" sz="2000" dirty="0" err="1">
-                    <a:solidFill>
-                      <a:schemeClr val="tx1">
-                        <a:lumMod val="65000"/>
-                        <a:lumOff val="35000"/>
-                      </a:schemeClr>
-                    </a:solidFill>
-                    <a:latin typeface="Arial" pitchFamily="34" charset="0"/>
-                    <a:cs typeface="Arial" pitchFamily="34" charset="0"/>
-                  </a:rPr>
-                  <a:t>xgboost</a:t>
-                </a:r>
-                <a:r>
-                  <a:rPr lang="en-US" altLang="zh-CN" sz="2000" dirty="0">
-                    <a:solidFill>
-                      <a:schemeClr val="tx1">
-                        <a:lumMod val="65000"/>
-                        <a:lumOff val="35000"/>
-                      </a:schemeClr>
-                    </a:solidFill>
-                    <a:latin typeface="Arial" pitchFamily="34" charset="0"/>
-                    <a:cs typeface="Arial" pitchFamily="34" charset="0"/>
-                  </a:rPr>
-                  <a:t>”</a:t>
-                </a:r>
-                <a:r>
-                  <a:rPr lang="zh-CN" altLang="en-US" sz="2000" dirty="0">
-                    <a:solidFill>
-                      <a:schemeClr val="tx1">
-                        <a:lumMod val="65000"/>
-                        <a:lumOff val="35000"/>
-                      </a:schemeClr>
-                    </a:solidFill>
-                    <a:latin typeface="Arial" pitchFamily="34" charset="0"/>
-                    <a:cs typeface="Arial" pitchFamily="34" charset="0"/>
-                  </a:rPr>
-                  <a:t> </a:t>
-                </a:r>
-                <a:r>
-                  <a:rPr lang="en-US" altLang="zh-CN" sz="2000" dirty="0">
-                    <a:solidFill>
-                      <a:schemeClr val="tx1">
-                        <a:lumMod val="65000"/>
-                        <a:lumOff val="35000"/>
-                      </a:schemeClr>
-                    </a:solidFill>
-                    <a:latin typeface="Arial" pitchFamily="34" charset="0"/>
-                    <a:cs typeface="Arial" pitchFamily="34" charset="0"/>
-                  </a:rPr>
-                  <a:t>package</a:t>
-                </a:r>
-                <a:r>
-                  <a:rPr lang="zh-CN" altLang="en-US" sz="2000" dirty="0">
-                    <a:solidFill>
-                      <a:schemeClr val="tx1">
-                        <a:lumMod val="65000"/>
-                        <a:lumOff val="35000"/>
-                      </a:schemeClr>
-                    </a:solidFill>
-                    <a:latin typeface="Arial" pitchFamily="34" charset="0"/>
-                    <a:cs typeface="Arial" pitchFamily="34" charset="0"/>
-                  </a:rPr>
-                  <a:t> </a:t>
-                </a:r>
-                <a:r>
-                  <a:rPr lang="en-US" altLang="zh-CN" sz="2000" dirty="0">
-                    <a:solidFill>
-                      <a:schemeClr val="tx1">
-                        <a:lumMod val="65000"/>
-                        <a:lumOff val="35000"/>
-                      </a:schemeClr>
-                    </a:solidFill>
-                    <a:latin typeface="Arial" pitchFamily="34" charset="0"/>
-                    <a:cs typeface="Arial" pitchFamily="34" charset="0"/>
-                  </a:rPr>
-                  <a:t>in</a:t>
-                </a:r>
-                <a:r>
-                  <a:rPr lang="zh-CN" altLang="en-US" sz="2000" dirty="0">
-                    <a:solidFill>
-                      <a:schemeClr val="tx1">
-                        <a:lumMod val="65000"/>
-                        <a:lumOff val="35000"/>
-                      </a:schemeClr>
-                    </a:solidFill>
-                    <a:latin typeface="Arial" pitchFamily="34" charset="0"/>
-                    <a:cs typeface="Arial" pitchFamily="34" charset="0"/>
-                  </a:rPr>
-                  <a:t> </a:t>
-                </a:r>
-                <a:r>
-                  <a:rPr lang="en-US" altLang="zh-CN" sz="2000" dirty="0">
-                    <a:solidFill>
-                      <a:schemeClr val="tx1">
-                        <a:lumMod val="65000"/>
-                        <a:lumOff val="35000"/>
-                      </a:schemeClr>
-                    </a:solidFill>
-                    <a:latin typeface="Arial" pitchFamily="34" charset="0"/>
-                    <a:cs typeface="Arial" pitchFamily="34" charset="0"/>
-                  </a:rPr>
-                  <a:t>r</a:t>
-                </a:r>
-              </a:p>
-              <a:p>
-                <a:pPr marL="342900" indent="-342900">
-                  <a:buFont typeface="Arial" panose="020B0604020202020204" pitchFamily="34" charset="0"/>
-                  <a:buChar char="•"/>
-                </a:pPr>
-                <a:endParaRPr lang="en-US" altLang="zh-CN" sz="2000" dirty="0">
-                  <a:solidFill>
-                    <a:schemeClr val="tx1">
-                      <a:lumMod val="65000"/>
-                      <a:lumOff val="35000"/>
-                    </a:schemeClr>
-                  </a:solidFill>
-                  <a:latin typeface="Arial" pitchFamily="34" charset="0"/>
-                  <a:cs typeface="Arial" pitchFamily="34" charset="0"/>
-                </a:endParaRPr>
-              </a:p>
-              <a:p>
-                <a:pPr marL="342900" indent="-342900">
-                  <a:buFont typeface="Arial" panose="020B0604020202020204" pitchFamily="34" charset="0"/>
-                  <a:buChar char="•"/>
-                </a:pPr>
-                <a:r>
-                  <a:rPr lang="en-US" altLang="zh-CN" sz="2000" dirty="0">
-                    <a:solidFill>
-                      <a:schemeClr val="tx1">
-                        <a:lumMod val="65000"/>
-                        <a:lumOff val="35000"/>
-                      </a:schemeClr>
-                    </a:solidFill>
-                    <a:latin typeface="Arial" pitchFamily="34" charset="0"/>
-                    <a:cs typeface="Arial" pitchFamily="34" charset="0"/>
-                  </a:rPr>
-                  <a:t>More</a:t>
-                </a:r>
-                <a:r>
-                  <a:rPr lang="zh-CN" altLang="en-US" sz="2000" dirty="0">
-                    <a:solidFill>
-                      <a:schemeClr val="tx1">
-                        <a:lumMod val="65000"/>
-                        <a:lumOff val="35000"/>
-                      </a:schemeClr>
-                    </a:solidFill>
-                    <a:latin typeface="Arial" pitchFamily="34" charset="0"/>
-                    <a:cs typeface="Arial" pitchFamily="34" charset="0"/>
-                  </a:rPr>
-                  <a:t> </a:t>
-                </a:r>
-                <a:r>
-                  <a:rPr lang="en-US" altLang="zh-CN" sz="2000" dirty="0">
-                    <a:solidFill>
-                      <a:schemeClr val="tx1">
-                        <a:lumMod val="65000"/>
-                        <a:lumOff val="35000"/>
-                      </a:schemeClr>
-                    </a:solidFill>
-                    <a:latin typeface="Arial" pitchFamily="34" charset="0"/>
-                    <a:cs typeface="Arial" pitchFamily="34" charset="0"/>
-                  </a:rPr>
-                  <a:t>options</a:t>
-                </a:r>
-                <a:r>
-                  <a:rPr lang="zh-CN" altLang="en-US" sz="2000" dirty="0">
-                    <a:solidFill>
-                      <a:schemeClr val="tx1">
-                        <a:lumMod val="65000"/>
-                        <a:lumOff val="35000"/>
-                      </a:schemeClr>
-                    </a:solidFill>
-                    <a:latin typeface="Arial" pitchFamily="34" charset="0"/>
-                    <a:cs typeface="Arial" pitchFamily="34" charset="0"/>
-                  </a:rPr>
-                  <a:t> </a:t>
-                </a:r>
-                <a:r>
-                  <a:rPr lang="en-US" altLang="zh-CN" sz="2000" dirty="0">
-                    <a:solidFill>
-                      <a:schemeClr val="tx1">
-                        <a:lumMod val="65000"/>
-                        <a:lumOff val="35000"/>
-                      </a:schemeClr>
-                    </a:solidFill>
-                    <a:latin typeface="Arial" pitchFamily="34" charset="0"/>
-                    <a:cs typeface="Arial" pitchFamily="34" charset="0"/>
-                  </a:rPr>
-                  <a:t>of</a:t>
-                </a:r>
-                <a:r>
-                  <a:rPr lang="zh-CN" altLang="en-US" sz="2000" dirty="0">
-                    <a:solidFill>
-                      <a:schemeClr val="tx1">
-                        <a:lumMod val="65000"/>
-                        <a:lumOff val="35000"/>
-                      </a:schemeClr>
-                    </a:solidFill>
-                    <a:latin typeface="Arial" pitchFamily="34" charset="0"/>
-                    <a:cs typeface="Arial" pitchFamily="34" charset="0"/>
-                  </a:rPr>
-                  <a:t> </a:t>
-                </a:r>
-                <a:r>
-                  <a:rPr lang="en-US" altLang="zh-CN" sz="2000" dirty="0">
-                    <a:solidFill>
-                      <a:schemeClr val="tx1">
-                        <a:lumMod val="65000"/>
-                        <a:lumOff val="35000"/>
-                      </a:schemeClr>
-                    </a:solidFill>
-                    <a:latin typeface="Arial" pitchFamily="34" charset="0"/>
-                    <a:cs typeface="Arial" pitchFamily="34" charset="0"/>
-                  </a:rPr>
-                  <a:t>tuning</a:t>
-                </a:r>
-                <a:r>
-                  <a:rPr lang="zh-CN" altLang="en-US" sz="2000" dirty="0">
-                    <a:solidFill>
-                      <a:schemeClr val="tx1">
-                        <a:lumMod val="65000"/>
-                        <a:lumOff val="35000"/>
-                      </a:schemeClr>
-                    </a:solidFill>
-                    <a:latin typeface="Arial" pitchFamily="34" charset="0"/>
-                    <a:cs typeface="Arial" pitchFamily="34" charset="0"/>
-                  </a:rPr>
-                  <a:t> </a:t>
-                </a:r>
-                <a:r>
-                  <a:rPr lang="en-US" altLang="zh-CN" sz="2000" dirty="0">
-                    <a:solidFill>
-                      <a:schemeClr val="tx1">
-                        <a:lumMod val="65000"/>
-                        <a:lumOff val="35000"/>
-                      </a:schemeClr>
-                    </a:solidFill>
-                    <a:latin typeface="Arial" pitchFamily="34" charset="0"/>
-                    <a:cs typeface="Arial" pitchFamily="34" charset="0"/>
-                  </a:rPr>
-                  <a:t>parameters</a:t>
-                </a:r>
-                <a:endParaRPr lang="en-IN" sz="2000" dirty="0">
-                  <a:solidFill>
-                    <a:schemeClr val="tx1">
-                      <a:lumMod val="65000"/>
-                      <a:lumOff val="35000"/>
-                    </a:schemeClr>
-                  </a:solidFill>
-                  <a:latin typeface="Arial" pitchFamily="34" charset="0"/>
-                  <a:cs typeface="Arial" pitchFamily="34" charset="0"/>
-                </a:endParaRPr>
-              </a:p>
-            </p:txBody>
-          </p:sp>
-          <p:sp>
-            <p:nvSpPr>
-              <p:cNvPr id="87" name="Rectangle 86"/>
-              <p:cNvSpPr/>
-              <p:nvPr/>
-            </p:nvSpPr>
-            <p:spPr>
-              <a:xfrm>
-                <a:off x="831248" y="1561368"/>
-                <a:ext cx="3432481" cy="461665"/>
-              </a:xfrm>
-              <a:prstGeom prst="rect">
-                <a:avLst/>
-              </a:prstGeom>
-            </p:spPr>
-            <p:txBody>
-              <a:bodyPr wrap="square">
-                <a:spAutoFit/>
-              </a:bodyPr>
-              <a:lstStyle/>
-              <a:p>
-                <a:r>
-                  <a:rPr lang="en-IN" sz="2400" dirty="0">
-                    <a:solidFill>
-                      <a:schemeClr val="tx1">
-                        <a:lumMod val="75000"/>
-                        <a:lumOff val="25000"/>
-                      </a:schemeClr>
-                    </a:solidFill>
-                    <a:latin typeface="Arial" pitchFamily="34" charset="0"/>
-                    <a:cs typeface="Arial" pitchFamily="34" charset="0"/>
-                  </a:rPr>
-                  <a:t>3. Take advantage of a faster package</a:t>
-                </a:r>
-              </a:p>
-            </p:txBody>
-          </p:sp>
-        </p:grpSp>
-        <p:cxnSp>
-          <p:nvCxnSpPr>
-            <p:cNvPr id="5" name="Straight Connector 4"/>
-            <p:cNvCxnSpPr/>
-            <p:nvPr/>
-          </p:nvCxnSpPr>
-          <p:spPr>
-            <a:xfrm>
-              <a:off x="6773827" y="1569962"/>
-              <a:ext cx="0" cy="4118672"/>
-            </a:xfrm>
-            <a:prstGeom prst="line">
-              <a:avLst/>
-            </a:prstGeom>
-            <a:ln>
-              <a:solidFill>
-                <a:schemeClr val="accent1"/>
-              </a:solidFill>
-            </a:ln>
-          </p:spPr>
-          <p:style>
-            <a:lnRef idx="1">
-              <a:schemeClr val="accent1"/>
-            </a:lnRef>
-            <a:fillRef idx="0">
-              <a:schemeClr val="accent1"/>
-            </a:fillRef>
-            <a:effectRef idx="0">
-              <a:schemeClr val="accent1"/>
-            </a:effectRef>
-            <a:fontRef idx="minor">
-              <a:schemeClr val="tx1"/>
-            </a:fontRef>
-          </p:style>
-        </p:cxnSp>
-      </p:grpSp>
-    </p:spTree>
-    <p:extLst>
-      <p:ext uri="{BB962C8B-B14F-4D97-AF65-F5344CB8AC3E}">
-        <p14:creationId xmlns:p14="http://schemas.microsoft.com/office/powerpoint/2010/main" val="3890141863"/>
-      </p:ext>
-    </p:extLst>
-  </p:cSld>
-  <p:clrMapOvr>
-    <a:masterClrMapping/>
-  </p:clrMapOvr>
-</p:sld>
-</file>
-
-<file path=ppt/slides/slide7.xml><?xml version="1.0" encoding="utf-8"?>
 <p:sld xmlns:a="http://schemas.openxmlformats.org/drawingml/2006/main" xmlns:r="http://schemas.openxmlformats.org/officeDocument/2006/relationships" xmlns:p="http://schemas.openxmlformats.org/presentationml/2006/main">
   <p:cSld>
     <p:spTree>
@@ -7485,14 +7184,14 @@
           <p:nvPr>
             <p:extLst>
               <p:ext uri="{D42A27DB-BD31-4B8C-83A1-F6EECF244321}">
-                <p14:modId xmlns:p14="http://schemas.microsoft.com/office/powerpoint/2010/main" val="1058415282"/>
+                <p14:modId xmlns:p14="http://schemas.microsoft.com/office/powerpoint/2010/main" val="3883759677"/>
               </p:ext>
             </p:extLst>
           </p:nvPr>
         </p:nvGraphicFramePr>
         <p:xfrm>
-          <a:off x="3375025" y="2586039"/>
-          <a:ext cx="8440736" cy="1381760"/>
+          <a:off x="3375026" y="2586039"/>
+          <a:ext cx="7826373" cy="1483360"/>
         </p:xfrm>
         <a:graphic>
           <a:graphicData uri="http://schemas.openxmlformats.org/drawingml/2006/table">
@@ -7501,31 +7200,24 @@
                 <a:tableStyleId>{00A15C55-8517-42AA-B614-E9B94910E393}</a:tableStyleId>
               </a:tblPr>
               <a:tblGrid>
-                <a:gridCol w="2110184">
+                <a:gridCol w="2608791">
                   <a:extLst>
                     <a:ext uri="{9D8B030D-6E8A-4147-A177-3AD203B41FA5}">
                       <a16:colId xmlns:a16="http://schemas.microsoft.com/office/drawing/2014/main" val="3146782162"/>
                     </a:ext>
                   </a:extLst>
                 </a:gridCol>
-                <a:gridCol w="2110184">
+                <a:gridCol w="2608791">
                   <a:extLst>
                     <a:ext uri="{9D8B030D-6E8A-4147-A177-3AD203B41FA5}">
                       <a16:colId xmlns:a16="http://schemas.microsoft.com/office/drawing/2014/main" val="322873971"/>
                     </a:ext>
                   </a:extLst>
                 </a:gridCol>
-                <a:gridCol w="2110184">
+                <a:gridCol w="2608791">
                   <a:extLst>
                     <a:ext uri="{9D8B030D-6E8A-4147-A177-3AD203B41FA5}">
                       <a16:colId xmlns:a16="http://schemas.microsoft.com/office/drawing/2014/main" val="2973568696"/>
-                    </a:ext>
-                  </a:extLst>
-                </a:gridCol>
-                <a:gridCol w="2110184">
-                  <a:extLst>
-                    <a:ext uri="{9D8B030D-6E8A-4147-A177-3AD203B41FA5}">
-                      <a16:colId xmlns:a16="http://schemas.microsoft.com/office/drawing/2014/main" val="2610099539"/>
                     </a:ext>
                   </a:extLst>
                 </a:gridCol>
@@ -7582,21 +7274,6 @@
                       <a:r>
                         <a:rPr lang="en-US" altLang="zh-CN" dirty="0"/>
                         <a:t>Improvement</a:t>
-                      </a:r>
-                      <a:endParaRPr lang="en-US" dirty="0"/>
-                    </a:p>
-                  </a:txBody>
-                  <a:tcPr/>
-                </a:tc>
-                <a:tc>
-                  <a:txBody>
-                    <a:bodyPr/>
-                    <a:lstStyle/>
-                    <a:p>
-                      <a:pPr algn="ctr"/>
-                      <a:r>
-                        <a:rPr lang="en-US" altLang="zh-CN" dirty="0"/>
-                        <a:t>Rate</a:t>
                       </a:r>
                       <a:endParaRPr lang="en-US" dirty="0"/>
                     </a:p>
@@ -7666,29 +7343,6 @@
                         <a:rPr lang="en-US" dirty="0"/>
                         <a:t>125.2 s</a:t>
                       </a:r>
-                    </a:p>
-                  </a:txBody>
-                  <a:tcPr/>
-                </a:tc>
-                <a:tc>
-                  <a:txBody>
-                    <a:bodyPr/>
-                    <a:lstStyle/>
-                    <a:p>
-                      <a:pPr algn="ctr"/>
-                      <a:r>
-                        <a:rPr lang="en-US" altLang="zh-CN" dirty="0"/>
-                        <a:t>Increase</a:t>
-                      </a:r>
-                      <a:r>
-                        <a:rPr lang="zh-CN" altLang="en-US" dirty="0"/>
-                        <a:t> </a:t>
-                      </a:r>
-                      <a:r>
-                        <a:rPr lang="en-US" altLang="zh-CN" dirty="0"/>
-                        <a:t>28.8%</a:t>
-                      </a:r>
-                      <a:endParaRPr lang="en-US" dirty="0"/>
                     </a:p>
                   </a:txBody>
                   <a:tcPr/>
@@ -7768,6 +7422,13 @@
                   </a:txBody>
                   <a:tcPr/>
                 </a:tc>
+                <a:extLst>
+                  <a:ext uri="{0D108BD9-81ED-4DB2-BD59-A6C34878D82A}">
+                    <a16:rowId xmlns:a16="http://schemas.microsoft.com/office/drawing/2014/main" val="180915088"/>
+                  </a:ext>
+                </a:extLst>
+              </a:tr>
+              <a:tr h="370840">
                 <a:tc>
                   <a:txBody>
                     <a:bodyPr/>
@@ -7776,7 +7437,7 @@
                       <a:pPr algn="ctr"/>
                       <a:r>
                         <a:rPr lang="en-US" altLang="zh-CN" dirty="0"/>
-                        <a:t>Decrease</a:t>
+                        <a:t>Super</a:t>
                       </a:r>
                       <a:r>
                         <a:rPr lang="zh-CN" altLang="en-US" dirty="0"/>
@@ -7784,16 +7445,77 @@
                       </a:r>
                       <a:r>
                         <a:rPr lang="en-US" altLang="zh-CN" dirty="0"/>
-                        <a:t>75.2%</a:t>
+                        <a:t>Resolution</a:t>
                       </a:r>
                       <a:endParaRPr lang="en-US" dirty="0"/>
                     </a:p>
                   </a:txBody>
                   <a:tcPr/>
                 </a:tc>
+                <a:tc>
+                  <a:txBody>
+                    <a:bodyPr/>
+                    <a:lstStyle/>
+                    <a:p>
+                      <a:pPr algn="ctr"/>
+                      <a:r>
+                        <a:rPr lang="en-US" altLang="zh-CN" dirty="0"/>
+                        <a:t>4000</a:t>
+                      </a:r>
+                      <a:r>
+                        <a:rPr lang="zh-CN" altLang="en-US" dirty="0"/>
+                        <a:t> </a:t>
+                      </a:r>
+                      <a:r>
+                        <a:rPr lang="en-US" altLang="zh-CN" dirty="0"/>
+                        <a:t>s</a:t>
+                      </a:r>
+                      <a:r>
+                        <a:rPr lang="zh-CN" altLang="en-US" dirty="0"/>
+                        <a:t> </a:t>
+                      </a:r>
+                      <a:r>
+                        <a:rPr lang="en-US" altLang="zh-CN" dirty="0"/>
+                        <a:t>or</a:t>
+                      </a:r>
+                      <a:r>
+                        <a:rPr lang="zh-CN" altLang="en-US" dirty="0"/>
+                        <a:t> </a:t>
+                      </a:r>
+                      <a:r>
+                        <a:rPr lang="en-US" altLang="zh-CN" dirty="0"/>
+                        <a:t>so</a:t>
+                      </a:r>
+                      <a:endParaRPr lang="en-US" dirty="0"/>
+                    </a:p>
+                  </a:txBody>
+                  <a:tcPr/>
+                </a:tc>
+                <a:tc>
+                  <a:txBody>
+                    <a:bodyPr/>
+                    <a:lstStyle/>
+                    <a:p>
+                      <a:pPr algn="ctr"/>
+                      <a:r>
+                        <a:rPr lang="en-US" dirty="0"/>
+                        <a:t>4272.</a:t>
+                      </a:r>
+                      <a:r>
+                        <a:rPr lang="en-US" altLang="zh-CN" dirty="0"/>
+                        <a:t>7</a:t>
+                      </a:r>
+                      <a:r>
+                        <a:rPr lang="en-US" dirty="0"/>
+                        <a:t> s</a:t>
+                      </a:r>
+                    </a:p>
+                  </a:txBody>
+                  <a:tcPr/>
+                </a:tc>
                 <a:extLst>
                   <a:ext uri="{0D108BD9-81ED-4DB2-BD59-A6C34878D82A}">
-                    <a16:rowId xmlns:a16="http://schemas.microsoft.com/office/drawing/2014/main" val="180915088"/>
+                    <a16:rowId xmlns:a16="http://schemas.microsoft.com/office/drawing/2014/main" val="2065030323"/>
                   </a:ext>
                 </a:extLst>
               </a:tr>
@@ -7814,7 +7536,7 @@
 </p:sld>
 </file>
 
-<file path=ppt/slides/slide8.xml><?xml version="1.0" encoding="utf-8"?>
+<file path=ppt/slides/slide7.xml><?xml version="1.0" encoding="utf-8"?>
 <p:sld xmlns:a="http://schemas.openxmlformats.org/drawingml/2006/main" xmlns:r="http://schemas.openxmlformats.org/officeDocument/2006/relationships" xmlns:p="http://schemas.openxmlformats.org/presentationml/2006/main">
   <p:cSld>
     <p:spTree>
@@ -8251,40 +7973,198 @@
           </a:graphicData>
         </a:graphic>
       </p:graphicFrame>
-      <p:pic>
-        <p:nvPicPr>
-          <p:cNvPr id="4" name="Picture 3">
-            <a:extLst>
-              <a:ext uri="{FF2B5EF4-FFF2-40B4-BE49-F238E27FC236}">
-                <a16:creationId xmlns:a16="http://schemas.microsoft.com/office/drawing/2014/main" id="{46498F27-4F33-CE46-980C-03D641CCC519}"/>
-              </a:ext>
-            </a:extLst>
-          </p:cNvPr>
-          <p:cNvPicPr>
-            <a:picLocks noChangeAspect="1"/>
-          </p:cNvPicPr>
-          <p:nvPr/>
-        </p:nvPicPr>
-        <p:blipFill>
-          <a:blip r:embed="rId3"/>
-          <a:stretch>
-            <a:fillRect/>
-          </a:stretch>
-        </p:blipFill>
-        <p:spPr>
-          <a:xfrm>
-            <a:off x="965200" y="3227858"/>
-            <a:ext cx="3060700" cy="3238500"/>
-          </a:xfrm>
-          <a:prstGeom prst="rect">
-            <a:avLst/>
-          </a:prstGeom>
-        </p:spPr>
-      </p:pic>
     </p:spTree>
     <p:extLst>
       <p:ext uri="{BB962C8B-B14F-4D97-AF65-F5344CB8AC3E}">
         <p14:creationId xmlns:p14="http://schemas.microsoft.com/office/powerpoint/2010/main" val="2587483207"/>
+      </p:ext>
+    </p:extLst>
+  </p:cSld>
+  <p:clrMapOvr>
+    <a:masterClrMapping/>
+  </p:clrMapOvr>
+</p:sld>
+</file>
+
+<file path=ppt/slides/slide8.xml><?xml version="1.0" encoding="utf-8"?>
+<p:sld xmlns:a="http://schemas.openxmlformats.org/drawingml/2006/main" xmlns:r="http://schemas.openxmlformats.org/officeDocument/2006/relationships" xmlns:p="http://schemas.openxmlformats.org/presentationml/2006/main">
+  <p:cSld>
+    <p:spTree>
+      <p:nvGrpSpPr>
+        <p:cNvPr id="1" name=""/>
+        <p:cNvGrpSpPr/>
+        <p:nvPr/>
+      </p:nvGrpSpPr>
+      <p:grpSpPr>
+        <a:xfrm>
+          <a:off x="0" y="0"/>
+          <a:ext cx="0" cy="0"/>
+          <a:chOff x="0" y="0"/>
+          <a:chExt cx="0" cy="0"/>
+        </a:xfrm>
+      </p:grpSpPr>
+      <p:sp>
+        <p:nvSpPr>
+          <p:cNvPr id="2" name="Title 1">
+            <a:extLst>
+              <a:ext uri="{FF2B5EF4-FFF2-40B4-BE49-F238E27FC236}">
+                <a16:creationId xmlns:a16="http://schemas.microsoft.com/office/drawing/2014/main" id="{10B3B035-9D5A-BB4B-8403-ED5344229427}"/>
+              </a:ext>
+            </a:extLst>
+          </p:cNvPr>
+          <p:cNvSpPr>
+            <a:spLocks noGrp="1"/>
+          </p:cNvSpPr>
+          <p:nvPr>
+            <p:ph type="title"/>
+          </p:nvPr>
+        </p:nvSpPr>
+        <p:spPr/>
+        <p:txBody>
+          <a:bodyPr/>
+          <a:lstStyle/>
+          <a:p>
+            <a:r>
+              <a:rPr lang="en-US" altLang="zh-CN" dirty="0"/>
+              <a:t>Advantage</a:t>
+            </a:r>
+            <a:r>
+              <a:rPr lang="zh-CN" altLang="en-US" dirty="0"/>
+              <a:t> </a:t>
+            </a:r>
+            <a:r>
+              <a:rPr lang="en-US" altLang="zh-CN" dirty="0"/>
+              <a:t>&amp;</a:t>
+            </a:r>
+            <a:r>
+              <a:rPr lang="zh-CN" altLang="en-US" dirty="0"/>
+              <a:t> </a:t>
+            </a:r>
+            <a:r>
+              <a:rPr lang="en-US" altLang="zh-CN" dirty="0"/>
+              <a:t>Limitations</a:t>
+            </a:r>
+            <a:endParaRPr lang="en-US" dirty="0"/>
+          </a:p>
+        </p:txBody>
+      </p:sp>
+      <p:sp>
+        <p:nvSpPr>
+          <p:cNvPr id="3" name="Content Placeholder 2">
+            <a:extLst>
+              <a:ext uri="{FF2B5EF4-FFF2-40B4-BE49-F238E27FC236}">
+                <a16:creationId xmlns:a16="http://schemas.microsoft.com/office/drawing/2014/main" id="{388917A5-C72A-B14F-9CA7-983D7E2A7576}"/>
+              </a:ext>
+            </a:extLst>
+          </p:cNvPr>
+          <p:cNvSpPr>
+            <a:spLocks noGrp="1"/>
+          </p:cNvSpPr>
+          <p:nvPr>
+            <p:ph idx="1"/>
+          </p:nvPr>
+        </p:nvSpPr>
+        <p:spPr>
+          <a:ln>
+            <a:noFill/>
+          </a:ln>
+        </p:spPr>
+        <p:txBody>
+          <a:bodyPr/>
+          <a:lstStyle/>
+          <a:p>
+            <a:r>
+              <a:rPr lang="en-US" altLang="zh-CN" dirty="0"/>
+              <a:t>Faster</a:t>
+            </a:r>
+            <a:r>
+              <a:rPr lang="zh-CN" altLang="en-US" dirty="0"/>
+              <a:t> </a:t>
+            </a:r>
+            <a:r>
+              <a:rPr lang="en-US" altLang="zh-CN" dirty="0"/>
+              <a:t>implementation</a:t>
+            </a:r>
+            <a:r>
+              <a:rPr lang="zh-CN" altLang="en-US" dirty="0"/>
+              <a:t> </a:t>
+            </a:r>
+            <a:r>
+              <a:rPr lang="en-US" altLang="zh-CN" dirty="0"/>
+              <a:t>of</a:t>
+            </a:r>
+            <a:r>
+              <a:rPr lang="zh-CN" altLang="en-US" dirty="0"/>
+              <a:t> </a:t>
+            </a:r>
+            <a:r>
+              <a:rPr lang="en-US" altLang="zh-CN" dirty="0"/>
+              <a:t>gradient</a:t>
+            </a:r>
+            <a:r>
+              <a:rPr lang="zh-CN" altLang="en-US" dirty="0"/>
+              <a:t> </a:t>
+            </a:r>
+            <a:r>
+              <a:rPr lang="en-US" altLang="zh-CN" dirty="0"/>
+              <a:t>boosting</a:t>
+            </a:r>
+          </a:p>
+          <a:p>
+            <a:endParaRPr lang="en-US" altLang="zh-CN" dirty="0"/>
+          </a:p>
+          <a:p>
+            <a:r>
+              <a:rPr lang="en-US" altLang="zh-CN" dirty="0"/>
+              <a:t>However,</a:t>
+            </a:r>
+            <a:r>
+              <a:rPr lang="zh-CN" altLang="en-US" dirty="0"/>
+              <a:t> </a:t>
+            </a:r>
+            <a:r>
+              <a:rPr lang="en-US" altLang="zh-CN" dirty="0"/>
+              <a:t>limited</a:t>
+            </a:r>
+            <a:r>
+              <a:rPr lang="zh-CN" altLang="en-US" dirty="0"/>
+              <a:t> </a:t>
+            </a:r>
+            <a:r>
+              <a:rPr lang="en-US" altLang="zh-CN" dirty="0"/>
+              <a:t>power</a:t>
+            </a:r>
+            <a:r>
+              <a:rPr lang="zh-CN" altLang="en-US" dirty="0"/>
+              <a:t> </a:t>
+            </a:r>
+            <a:r>
+              <a:rPr lang="en-US" altLang="zh-CN" dirty="0"/>
+              <a:t>of</a:t>
+            </a:r>
+            <a:r>
+              <a:rPr lang="zh-CN" altLang="en-US" dirty="0"/>
+              <a:t> </a:t>
+            </a:r>
+            <a:r>
+              <a:rPr lang="en-US" altLang="zh-CN" dirty="0"/>
+              <a:t>the</a:t>
+            </a:r>
+            <a:r>
+              <a:rPr lang="zh-CN" altLang="en-US" dirty="0"/>
+              <a:t> </a:t>
+            </a:r>
+            <a:r>
+              <a:rPr lang="en-US" altLang="zh-CN" dirty="0"/>
+              <a:t>algorithm</a:t>
+            </a:r>
+          </a:p>
+        </p:txBody>
+      </p:sp>
+    </p:spTree>
+    <p:extLst>
+      <p:ext uri="{BB962C8B-B14F-4D97-AF65-F5344CB8AC3E}">
+        <p14:creationId xmlns:p14="http://schemas.microsoft.com/office/powerpoint/2010/main" val="1772626210"/>
       </p:ext>
     </p:extLst>
   </p:cSld>
@@ -8316,7 +8196,7 @@
           <p:cNvPr id="2" name="Title 1">
             <a:extLst>
               <a:ext uri="{FF2B5EF4-FFF2-40B4-BE49-F238E27FC236}">
-                <a16:creationId xmlns:a16="http://schemas.microsoft.com/office/drawing/2014/main" id="{10B3B035-9D5A-BB4B-8403-ED5344229427}"/>
+                <a16:creationId xmlns:a16="http://schemas.microsoft.com/office/drawing/2014/main" id="{9E60D901-8E58-0840-8DE1-357A0D6EDFD5}"/>
               </a:ext>
             </a:extLst>
           </p:cNvPr>
@@ -8327,14 +8207,20 @@
             <p:ph type="title"/>
           </p:nvPr>
         </p:nvSpPr>
-        <p:spPr/>
+        <p:spPr>
+          <a:xfrm>
+            <a:off x="866775" y="4337050"/>
+            <a:ext cx="10515600" cy="1325563"/>
+          </a:xfrm>
+        </p:spPr>
         <p:txBody>
           <a:bodyPr/>
           <a:lstStyle/>
           <a:p>
+            <a:pPr algn="r"/>
             <a:r>
               <a:rPr lang="en-US" altLang="zh-CN" dirty="0"/>
-              <a:t>Advantage</a:t>
+              <a:t>Thank</a:t>
             </a:r>
             <a:r>
               <a:rPr lang="zh-CN" altLang="en-US" dirty="0"/>
@@ -8342,137 +8228,16 @@
             </a:r>
             <a:r>
               <a:rPr lang="en-US" altLang="zh-CN" dirty="0"/>
-              <a:t>&amp;</a:t>
-            </a:r>
-            <a:r>
-              <a:rPr lang="zh-CN" altLang="en-US" dirty="0"/>
-              <a:t> </a:t>
-            </a:r>
-            <a:r>
-              <a:rPr lang="en-US" altLang="zh-CN" dirty="0"/>
-              <a:t>Limitations</a:t>
+              <a:t>you!</a:t>
             </a:r>
             <a:endParaRPr lang="en-US" dirty="0"/>
-          </a:p>
-        </p:txBody>
-      </p:sp>
-      <p:sp>
-        <p:nvSpPr>
-          <p:cNvPr id="3" name="Content Placeholder 2">
-            <a:extLst>
-              <a:ext uri="{FF2B5EF4-FFF2-40B4-BE49-F238E27FC236}">
-                <a16:creationId xmlns:a16="http://schemas.microsoft.com/office/drawing/2014/main" id="{388917A5-C72A-B14F-9CA7-983D7E2A7576}"/>
-              </a:ext>
-            </a:extLst>
-          </p:cNvPr>
-          <p:cNvSpPr>
-            <a:spLocks noGrp="1"/>
-          </p:cNvSpPr>
-          <p:nvPr>
-            <p:ph idx="1"/>
-          </p:nvPr>
-        </p:nvSpPr>
-        <p:spPr>
-          <a:ln>
-            <a:noFill/>
-          </a:ln>
-        </p:spPr>
-        <p:txBody>
-          <a:bodyPr/>
-          <a:lstStyle/>
-          <a:p>
-            <a:r>
-              <a:rPr lang="en-US" altLang="zh-CN" dirty="0"/>
-              <a:t>Faster</a:t>
-            </a:r>
-            <a:r>
-              <a:rPr lang="zh-CN" altLang="en-US" dirty="0"/>
-              <a:t> </a:t>
-            </a:r>
-            <a:r>
-              <a:rPr lang="en-US" altLang="zh-CN" dirty="0"/>
-              <a:t>implementation</a:t>
-            </a:r>
-            <a:r>
-              <a:rPr lang="zh-CN" altLang="en-US" dirty="0"/>
-              <a:t> </a:t>
-            </a:r>
-            <a:r>
-              <a:rPr lang="en-US" altLang="zh-CN" dirty="0"/>
-              <a:t>of</a:t>
-            </a:r>
-            <a:r>
-              <a:rPr lang="zh-CN" altLang="en-US" dirty="0"/>
-              <a:t> </a:t>
-            </a:r>
-            <a:r>
-              <a:rPr lang="en-US" altLang="zh-CN" dirty="0"/>
-              <a:t>gradient</a:t>
-            </a:r>
-            <a:r>
-              <a:rPr lang="zh-CN" altLang="en-US" dirty="0"/>
-              <a:t> </a:t>
-            </a:r>
-            <a:r>
-              <a:rPr lang="en-US" altLang="zh-CN" dirty="0"/>
-              <a:t>boosting</a:t>
-            </a:r>
-          </a:p>
-          <a:p>
-            <a:endParaRPr lang="en-US" altLang="zh-CN" dirty="0"/>
-          </a:p>
-          <a:p>
-            <a:r>
-              <a:rPr lang="en-US" altLang="zh-CN" dirty="0"/>
-              <a:t>However,</a:t>
-            </a:r>
-            <a:r>
-              <a:rPr lang="zh-CN" altLang="en-US" dirty="0"/>
-              <a:t> </a:t>
-            </a:r>
-            <a:r>
-              <a:rPr lang="en-US" altLang="zh-CN" dirty="0"/>
-              <a:t>limited</a:t>
-            </a:r>
-            <a:r>
-              <a:rPr lang="zh-CN" altLang="en-US" dirty="0"/>
-              <a:t> </a:t>
-            </a:r>
-            <a:r>
-              <a:rPr lang="en-US" altLang="zh-CN" dirty="0"/>
-              <a:t>power</a:t>
-            </a:r>
-            <a:r>
-              <a:rPr lang="zh-CN" altLang="en-US" dirty="0"/>
-              <a:t> </a:t>
-            </a:r>
-            <a:r>
-              <a:rPr lang="en-US" altLang="zh-CN" dirty="0"/>
-              <a:t>of</a:t>
-            </a:r>
-            <a:r>
-              <a:rPr lang="zh-CN" altLang="en-US" dirty="0"/>
-              <a:t> </a:t>
-            </a:r>
-            <a:r>
-              <a:rPr lang="en-US" altLang="zh-CN" dirty="0"/>
-              <a:t>the</a:t>
-            </a:r>
-            <a:r>
-              <a:rPr lang="zh-CN" altLang="en-US" dirty="0"/>
-              <a:t> </a:t>
-            </a:r>
-            <a:r>
-              <a:rPr lang="en-US" altLang="zh-CN" dirty="0"/>
-              <a:t>algorithm</a:t>
-            </a:r>
           </a:p>
         </p:txBody>
       </p:sp>
     </p:spTree>
     <p:extLst>
       <p:ext uri="{BB962C8B-B14F-4D97-AF65-F5344CB8AC3E}">
-        <p14:creationId xmlns:p14="http://schemas.microsoft.com/office/powerpoint/2010/main" val="1772626210"/>
+        <p14:creationId xmlns:p14="http://schemas.microsoft.com/office/powerpoint/2010/main" val="451203428"/>
       </p:ext>
     </p:extLst>
   </p:cSld>

--- a/doc/Group9Pre.pptx
+++ b/doc/Group9Pre.pptx
@@ -5,18 +5,17 @@
     <p:sldMasterId id="2147483715" r:id="rId1"/>
   </p:sldMasterIdLst>
   <p:notesMasterIdLst>
-    <p:notesMasterId r:id="rId11"/>
+    <p:notesMasterId r:id="rId10"/>
   </p:notesMasterIdLst>
   <p:sldIdLst>
     <p:sldId id="256" r:id="rId2"/>
     <p:sldId id="258" r:id="rId3"/>
     <p:sldId id="278" r:id="rId4"/>
-    <p:sldId id="287" r:id="rId5"/>
-    <p:sldId id="288" r:id="rId6"/>
+    <p:sldId id="288" r:id="rId5"/>
+    <p:sldId id="294" r:id="rId6"/>
     <p:sldId id="290" r:id="rId7"/>
-    <p:sldId id="291" r:id="rId8"/>
-    <p:sldId id="292" r:id="rId9"/>
-    <p:sldId id="293" r:id="rId10"/>
+    <p:sldId id="292" r:id="rId8"/>
+    <p:sldId id="293" r:id="rId9"/>
   </p:sldIdLst>
   <p:sldSz cx="12192000" cy="6858000"/>
   <p:notesSz cx="6858000" cy="9144000"/>
@@ -115,6 +114,11 @@
       </a:defRPr>
     </a:lvl9pPr>
   </p:defaultTextStyle>
+  <p:extLst>
+    <p:ext uri="{EFAFB233-063F-42B5-8137-9DF3F51BA10A}">
+      <p15:sldGuideLst xmlns:p15="http://schemas.microsoft.com/office/powerpoint/2012/main"/>
+    </p:ext>
+  </p:extLst>
 </p:presentation>
 </file>
 
@@ -200,7 +204,7 @@
           <a:p>
             <a:fld id="{E563C2E7-71DA-084A-AF0F-56CC4E6F5F75}" type="datetimeFigureOut">
               <a:rPr lang="en-US" smtClean="0"/>
-              <a:t>11/7/18</a:t>
+              <a:t>11/8/18</a:t>
             </a:fld>
             <a:endParaRPr lang="en-US"/>
           </a:p>
@@ -552,7 +556,7 @@
     </p:spTree>
     <p:extLst>
       <p:ext uri="{BB962C8B-B14F-4D97-AF65-F5344CB8AC3E}">
-        <p14:creationId xmlns:p14="http://schemas.microsoft.com/office/powerpoint/2010/main" val="2283042571"/>
+        <p14:creationId xmlns:p14="http://schemas.microsoft.com/office/powerpoint/2010/main" val="2390276789"/>
       </p:ext>
     </p:extLst>
   </p:cSld>
@@ -647,7 +651,7 @@
     </p:spTree>
     <p:extLst>
       <p:ext uri="{BB962C8B-B14F-4D97-AF65-F5344CB8AC3E}">
-        <p14:creationId xmlns:p14="http://schemas.microsoft.com/office/powerpoint/2010/main" val="2390276789"/>
+        <p14:creationId xmlns:p14="http://schemas.microsoft.com/office/powerpoint/2010/main" val="4157033749"/>
       </p:ext>
     </p:extLst>
   </p:cSld>
@@ -743,101 +747,6 @@
     <p:extLst>
       <p:ext uri="{BB962C8B-B14F-4D97-AF65-F5344CB8AC3E}">
         <p14:creationId xmlns:p14="http://schemas.microsoft.com/office/powerpoint/2010/main" val="3794415260"/>
-      </p:ext>
-    </p:extLst>
-  </p:cSld>
-  <p:clrMapOvr>
-    <a:masterClrMapping/>
-  </p:clrMapOvr>
-</p:notes>
-</file>
-
-<file path=ppt/notesSlides/notesSlide4.xml><?xml version="1.0" encoding="utf-8"?>
-<p:notes xmlns:a="http://schemas.openxmlformats.org/drawingml/2006/main" xmlns:r="http://schemas.openxmlformats.org/officeDocument/2006/relationships" xmlns:p="http://schemas.openxmlformats.org/presentationml/2006/main">
-  <p:cSld>
-    <p:spTree>
-      <p:nvGrpSpPr>
-        <p:cNvPr id="1" name=""/>
-        <p:cNvGrpSpPr/>
-        <p:nvPr/>
-      </p:nvGrpSpPr>
-      <p:grpSpPr>
-        <a:xfrm>
-          <a:off x="0" y="0"/>
-          <a:ext cx="0" cy="0"/>
-          <a:chOff x="0" y="0"/>
-          <a:chExt cx="0" cy="0"/>
-        </a:xfrm>
-      </p:grpSpPr>
-      <p:sp>
-        <p:nvSpPr>
-          <p:cNvPr id="2" name="Slide Image Placeholder 1"/>
-          <p:cNvSpPr>
-            <a:spLocks noGrp="1" noRot="1" noChangeAspect="1"/>
-          </p:cNvSpPr>
-          <p:nvPr>
-            <p:ph type="sldImg"/>
-          </p:nvPr>
-        </p:nvSpPr>
-        <p:spPr/>
-      </p:sp>
-      <p:sp>
-        <p:nvSpPr>
-          <p:cNvPr id="3" name="Notes Placeholder 2"/>
-          <p:cNvSpPr>
-            <a:spLocks noGrp="1"/>
-          </p:cNvSpPr>
-          <p:nvPr>
-            <p:ph type="body" idx="1"/>
-          </p:nvPr>
-        </p:nvSpPr>
-        <p:spPr/>
-        <p:txBody>
-          <a:bodyPr/>
-          <a:lstStyle/>
-          <a:p>
-            <a:r>
-              <a:rPr lang="en-US" dirty="0"/>
-              <a:t>Choose the </a:t>
-            </a:r>
-            <a:r>
-              <a:rPr lang="en-US" dirty="0" err="1"/>
-              <a:t>simpliest</a:t>
-            </a:r>
-            <a:r>
-              <a:rPr lang="en-US" dirty="0"/>
-              <a:t> model whose error is no more than 1 standard error above the error of the best model</a:t>
-            </a:r>
-          </a:p>
-        </p:txBody>
-      </p:sp>
-      <p:sp>
-        <p:nvSpPr>
-          <p:cNvPr id="4" name="Slide Number Placeholder 3"/>
-          <p:cNvSpPr>
-            <a:spLocks noGrp="1"/>
-          </p:cNvSpPr>
-          <p:nvPr>
-            <p:ph type="sldNum" sz="quarter" idx="5"/>
-          </p:nvPr>
-        </p:nvSpPr>
-        <p:spPr/>
-        <p:txBody>
-          <a:bodyPr/>
-          <a:lstStyle/>
-          <a:p>
-            <a:fld id="{0EFFAFFF-5701-5C48-BE78-71416871242D}" type="slidenum">
-              <a:rPr lang="en-US" smtClean="0"/>
-              <a:t>7</a:t>
-            </a:fld>
-            <a:endParaRPr lang="en-US"/>
-          </a:p>
-        </p:txBody>
-      </p:sp>
-    </p:spTree>
-    <p:extLst>
-      <p:ext uri="{BB962C8B-B14F-4D97-AF65-F5344CB8AC3E}">
-        <p14:creationId xmlns:p14="http://schemas.microsoft.com/office/powerpoint/2010/main" val="1741062650"/>
       </p:ext>
     </p:extLst>
   </p:cSld>
@@ -994,7 +903,7 @@
           <a:p>
             <a:fld id="{F415EE60-C343-074F-BB74-320E32E4A42B}" type="datetimeFigureOut">
               <a:rPr lang="en-US" smtClean="0"/>
-              <a:t>11/7/18</a:t>
+              <a:t>11/8/18</a:t>
             </a:fld>
             <a:endParaRPr lang="en-US"/>
           </a:p>
@@ -1192,7 +1101,7 @@
           <a:p>
             <a:fld id="{F415EE60-C343-074F-BB74-320E32E4A42B}" type="datetimeFigureOut">
               <a:rPr lang="en-US" smtClean="0"/>
-              <a:t>11/7/18</a:t>
+              <a:t>11/8/18</a:t>
             </a:fld>
             <a:endParaRPr lang="en-US"/>
           </a:p>
@@ -1400,7 +1309,7 @@
           <a:p>
             <a:fld id="{F415EE60-C343-074F-BB74-320E32E4A42B}" type="datetimeFigureOut">
               <a:rPr lang="en-US" smtClean="0"/>
-              <a:t>11/7/18</a:t>
+              <a:t>11/8/18</a:t>
             </a:fld>
             <a:endParaRPr lang="en-US"/>
           </a:p>
@@ -1598,7 +1507,7 @@
           <a:p>
             <a:fld id="{F415EE60-C343-074F-BB74-320E32E4A42B}" type="datetimeFigureOut">
               <a:rPr lang="en-US" smtClean="0"/>
-              <a:t>11/7/18</a:t>
+              <a:t>11/8/18</a:t>
             </a:fld>
             <a:endParaRPr lang="en-US"/>
           </a:p>
@@ -1873,7 +1782,7 @@
           <a:p>
             <a:fld id="{F415EE60-C343-074F-BB74-320E32E4A42B}" type="datetimeFigureOut">
               <a:rPr lang="en-US" smtClean="0"/>
-              <a:t>11/7/18</a:t>
+              <a:t>11/8/18</a:t>
             </a:fld>
             <a:endParaRPr lang="en-US"/>
           </a:p>
@@ -2138,7 +2047,7 @@
           <a:p>
             <a:fld id="{F415EE60-C343-074F-BB74-320E32E4A42B}" type="datetimeFigureOut">
               <a:rPr lang="en-US" smtClean="0"/>
-              <a:t>11/7/18</a:t>
+              <a:t>11/8/18</a:t>
             </a:fld>
             <a:endParaRPr lang="en-US"/>
           </a:p>
@@ -2550,7 +2459,7 @@
           <a:p>
             <a:fld id="{F415EE60-C343-074F-BB74-320E32E4A42B}" type="datetimeFigureOut">
               <a:rPr lang="en-US" smtClean="0"/>
-              <a:t>11/7/18</a:t>
+              <a:t>11/8/18</a:t>
             </a:fld>
             <a:endParaRPr lang="en-US"/>
           </a:p>
@@ -2691,7 +2600,7 @@
           <a:p>
             <a:fld id="{F415EE60-C343-074F-BB74-320E32E4A42B}" type="datetimeFigureOut">
               <a:rPr lang="en-US" smtClean="0"/>
-              <a:t>11/7/18</a:t>
+              <a:t>11/8/18</a:t>
             </a:fld>
             <a:endParaRPr lang="en-US"/>
           </a:p>
@@ -2804,7 +2713,7 @@
           <a:p>
             <a:fld id="{F415EE60-C343-074F-BB74-320E32E4A42B}" type="datetimeFigureOut">
               <a:rPr lang="en-US" smtClean="0"/>
-              <a:t>11/7/18</a:t>
+              <a:t>11/8/18</a:t>
             </a:fld>
             <a:endParaRPr lang="en-US"/>
           </a:p>
@@ -3115,7 +3024,7 @@
           <a:p>
             <a:fld id="{F415EE60-C343-074F-BB74-320E32E4A42B}" type="datetimeFigureOut">
               <a:rPr lang="en-US" smtClean="0"/>
-              <a:t>11/7/18</a:t>
+              <a:t>11/8/18</a:t>
             </a:fld>
             <a:endParaRPr lang="en-US"/>
           </a:p>
@@ -3403,7 +3312,7 @@
           <a:p>
             <a:fld id="{F415EE60-C343-074F-BB74-320E32E4A42B}" type="datetimeFigureOut">
               <a:rPr lang="en-US" smtClean="0"/>
-              <a:t>11/7/18</a:t>
+              <a:t>11/8/18</a:t>
             </a:fld>
             <a:endParaRPr lang="en-US"/>
           </a:p>
@@ -3644,7 +3553,7 @@
           <a:p>
             <a:fld id="{F415EE60-C343-074F-BB74-320E32E4A42B}" type="datetimeFigureOut">
               <a:rPr lang="en-US" smtClean="0"/>
-              <a:t>11/7/18</a:t>
+              <a:t>11/8/18</a:t>
             </a:fld>
             <a:endParaRPr lang="en-US"/>
           </a:p>
@@ -5871,9 +5780,9 @@
           <p:grpSpPr>
             <a:xfrm>
               <a:off x="6773827" y="1573690"/>
-              <a:ext cx="3432481" cy="1601155"/>
+              <a:ext cx="3432481" cy="2832261"/>
               <a:chOff x="831248" y="1561368"/>
-              <a:chExt cx="3432481" cy="1601155"/>
+              <a:chExt cx="3432481" cy="2832261"/>
             </a:xfrm>
           </p:grpSpPr>
           <p:sp>
@@ -5885,387 +5794,7 @@
             <p:spPr>
               <a:xfrm>
                 <a:off x="1092006" y="2146860"/>
-                <a:ext cx="3171723" cy="1015663"/>
-              </a:xfrm>
-              <a:prstGeom prst="rect">
-                <a:avLst/>
-              </a:prstGeom>
-            </p:spPr>
-            <p:txBody>
-              <a:bodyPr wrap="square">
-                <a:spAutoFit/>
-              </a:bodyPr>
-              <a:lstStyle/>
-              <a:p>
-                <a:pPr marL="342900" indent="-342900">
-                  <a:buFont typeface="Arial" panose="020B0604020202020204" pitchFamily="34" charset="0"/>
-                  <a:buChar char="•"/>
-                </a:pPr>
-                <a:r>
-                  <a:rPr lang="en-IN" sz="2000" dirty="0">
-                    <a:solidFill>
-                      <a:schemeClr val="tx1">
-                        <a:lumMod val="65000"/>
-                        <a:lumOff val="35000"/>
-                      </a:schemeClr>
-                    </a:solidFill>
-                    <a:latin typeface="Arial" pitchFamily="34" charset="0"/>
-                    <a:cs typeface="Arial" pitchFamily="34" charset="0"/>
-                  </a:rPr>
-                  <a:t>Tune max depth and learning rate at the same time</a:t>
-                </a:r>
-              </a:p>
-              <a:p>
-                <a:pPr marL="342900" indent="-342900">
-                  <a:buFont typeface="Arial" panose="020B0604020202020204" pitchFamily="34" charset="0"/>
-                  <a:buChar char="•"/>
-                </a:pPr>
-                <a:r>
-                  <a:rPr lang="en-IN" sz="2000" dirty="0">
-                    <a:solidFill>
-                      <a:schemeClr val="tx1">
-                        <a:lumMod val="65000"/>
-                        <a:lumOff val="35000"/>
-                      </a:schemeClr>
-                    </a:solidFill>
-                    <a:latin typeface="Arial" pitchFamily="34" charset="0"/>
-                    <a:cs typeface="Arial" pitchFamily="34" charset="0"/>
-                  </a:rPr>
-                  <a:t>Apply “one-standard-error rule” in cross validation process</a:t>
-                </a:r>
-              </a:p>
-              <a:p>
-                <a:pPr marL="342900" indent="-342900">
-                  <a:buFont typeface="Arial" panose="020B0604020202020204" pitchFamily="34" charset="0"/>
-                  <a:buChar char="•"/>
-                </a:pPr>
-                <a:endParaRPr lang="en-IN" sz="2000" dirty="0">
-                  <a:solidFill>
-                    <a:schemeClr val="tx1">
-                      <a:lumMod val="65000"/>
-                      <a:lumOff val="35000"/>
-                    </a:schemeClr>
-                  </a:solidFill>
-                  <a:latin typeface="Arial" pitchFamily="34" charset="0"/>
-                  <a:cs typeface="Arial" pitchFamily="34" charset="0"/>
-                </a:endParaRPr>
-              </a:p>
-            </p:txBody>
-          </p:sp>
-          <p:sp>
-            <p:nvSpPr>
-              <p:cNvPr id="87" name="Rectangle 86"/>
-              <p:cNvSpPr/>
-              <p:nvPr/>
-            </p:nvSpPr>
-            <p:spPr>
-              <a:xfrm>
-                <a:off x="831248" y="1561368"/>
-                <a:ext cx="3432481" cy="461665"/>
-              </a:xfrm>
-              <a:prstGeom prst="rect">
-                <a:avLst/>
-              </a:prstGeom>
-            </p:spPr>
-            <p:txBody>
-              <a:bodyPr wrap="square">
-                <a:spAutoFit/>
-              </a:bodyPr>
-              <a:lstStyle/>
-              <a:p>
-                <a:r>
-                  <a:rPr lang="en-IN" sz="2400" dirty="0">
-                    <a:solidFill>
-                      <a:schemeClr val="tx1">
-                        <a:lumMod val="75000"/>
-                        <a:lumOff val="25000"/>
-                      </a:schemeClr>
-                    </a:solidFill>
-                    <a:latin typeface="Arial" pitchFamily="34" charset="0"/>
-                    <a:cs typeface="Arial" pitchFamily="34" charset="0"/>
-                  </a:rPr>
-                  <a:t>2. More parameters tuned</a:t>
-                </a:r>
-              </a:p>
-            </p:txBody>
-          </p:sp>
-        </p:grpSp>
-        <p:cxnSp>
-          <p:nvCxnSpPr>
-            <p:cNvPr id="5" name="Straight Connector 4"/>
-            <p:cNvCxnSpPr/>
-            <p:nvPr/>
-          </p:nvCxnSpPr>
-          <p:spPr>
-            <a:xfrm>
-              <a:off x="6773827" y="1569962"/>
-              <a:ext cx="0" cy="4118672"/>
-            </a:xfrm>
-            <a:prstGeom prst="line">
-              <a:avLst/>
-            </a:prstGeom>
-            <a:ln>
-              <a:solidFill>
-                <a:schemeClr val="accent1"/>
-              </a:solidFill>
-            </a:ln>
-          </p:spPr>
-          <p:style>
-            <a:lnRef idx="1">
-              <a:schemeClr val="accent1"/>
-            </a:lnRef>
-            <a:fillRef idx="0">
-              <a:schemeClr val="accent1"/>
-            </a:fillRef>
-            <a:effectRef idx="0">
-              <a:schemeClr val="accent1"/>
-            </a:effectRef>
-            <a:fontRef idx="minor">
-              <a:schemeClr val="tx1"/>
-            </a:fontRef>
-          </p:style>
-        </p:cxnSp>
-      </p:grpSp>
-      <p:pic>
-        <p:nvPicPr>
-          <p:cNvPr id="4" name="Picture 3">
-            <a:extLst>
-              <a:ext uri="{FF2B5EF4-FFF2-40B4-BE49-F238E27FC236}">
-                <a16:creationId xmlns:a16="http://schemas.microsoft.com/office/drawing/2014/main" id="{9F1C0B32-8BC4-2441-94D6-B8C341AE0DDD}"/>
-              </a:ext>
-            </a:extLst>
-          </p:cNvPr>
-          <p:cNvPicPr>
-            <a:picLocks noChangeAspect="1"/>
-          </p:cNvPicPr>
-          <p:nvPr/>
-        </p:nvPicPr>
-        <p:blipFill>
-          <a:blip r:embed="rId3"/>
-          <a:stretch>
-            <a:fillRect/>
-          </a:stretch>
-        </p:blipFill>
-        <p:spPr>
-          <a:xfrm>
-            <a:off x="3060369" y="2933213"/>
-            <a:ext cx="2258701" cy="3486935"/>
-          </a:xfrm>
-          <a:prstGeom prst="rect">
-            <a:avLst/>
-          </a:prstGeom>
-        </p:spPr>
-      </p:pic>
-      <p:pic>
-        <p:nvPicPr>
-          <p:cNvPr id="6" name="Picture 5">
-            <a:extLst>
-              <a:ext uri="{FF2B5EF4-FFF2-40B4-BE49-F238E27FC236}">
-                <a16:creationId xmlns:a16="http://schemas.microsoft.com/office/drawing/2014/main" id="{7052AEB3-A8AF-CA41-8B3C-BB1B232D3D69}"/>
-              </a:ext>
-            </a:extLst>
-          </p:cNvPr>
-          <p:cNvPicPr>
-            <a:picLocks noChangeAspect="1"/>
-          </p:cNvPicPr>
-          <p:nvPr/>
-        </p:nvPicPr>
-        <p:blipFill>
-          <a:blip r:embed="rId4"/>
-          <a:stretch>
-            <a:fillRect/>
-          </a:stretch>
-        </p:blipFill>
-        <p:spPr>
-          <a:xfrm>
-            <a:off x="5483939" y="2933213"/>
-            <a:ext cx="5933240" cy="3181837"/>
-          </a:xfrm>
-          <a:prstGeom prst="rect">
-            <a:avLst/>
-          </a:prstGeom>
-        </p:spPr>
-      </p:pic>
-    </p:spTree>
-    <p:extLst>
-      <p:ext uri="{BB962C8B-B14F-4D97-AF65-F5344CB8AC3E}">
-        <p14:creationId xmlns:p14="http://schemas.microsoft.com/office/powerpoint/2010/main" val="741956301"/>
-      </p:ext>
-    </p:extLst>
-  </p:cSld>
-  <p:clrMapOvr>
-    <a:masterClrMapping/>
-  </p:clrMapOvr>
-</p:sld>
-</file>
-
-<file path=ppt/slides/slide5.xml><?xml version="1.0" encoding="utf-8"?>
-<p:sld xmlns:a="http://schemas.openxmlformats.org/drawingml/2006/main" xmlns:r="http://schemas.openxmlformats.org/officeDocument/2006/relationships" xmlns:p="http://schemas.openxmlformats.org/presentationml/2006/main">
-  <p:cSld>
-    <p:spTree>
-      <p:nvGrpSpPr>
-        <p:cNvPr id="1" name=""/>
-        <p:cNvGrpSpPr/>
-        <p:nvPr/>
-      </p:nvGrpSpPr>
-      <p:grpSpPr>
-        <a:xfrm>
-          <a:off x="0" y="0"/>
-          <a:ext cx="0" cy="0"/>
-          <a:chOff x="0" y="0"/>
-          <a:chExt cx="0" cy="0"/>
-        </a:xfrm>
-      </p:grpSpPr>
-      <p:sp>
-        <p:nvSpPr>
-          <p:cNvPr id="2" name="Title 1"/>
-          <p:cNvSpPr>
-            <a:spLocks noGrp="1"/>
-          </p:cNvSpPr>
-          <p:nvPr>
-            <p:ph type="title"/>
-          </p:nvPr>
-        </p:nvSpPr>
-        <p:spPr/>
-        <p:txBody>
-          <a:bodyPr/>
-          <a:lstStyle/>
-          <a:p>
-            <a:r>
-              <a:rPr lang="en-US" altLang="zh-CN" dirty="0">
-                <a:solidFill>
-                  <a:schemeClr val="tx1">
-                    <a:lumMod val="75000"/>
-                    <a:lumOff val="25000"/>
-                  </a:schemeClr>
-                </a:solidFill>
-              </a:rPr>
-              <a:t>Proposed</a:t>
-            </a:r>
-            <a:r>
-              <a:rPr lang="zh-CN" altLang="en-US" dirty="0">
-                <a:solidFill>
-                  <a:schemeClr val="tx1">
-                    <a:lumMod val="75000"/>
-                    <a:lumOff val="25000"/>
-                  </a:schemeClr>
-                </a:solidFill>
-              </a:rPr>
-              <a:t> </a:t>
-            </a:r>
-            <a:r>
-              <a:rPr lang="en-US" altLang="zh-CN" dirty="0">
-                <a:solidFill>
-                  <a:schemeClr val="tx1">
-                    <a:lumMod val="75000"/>
-                    <a:lumOff val="25000"/>
-                  </a:schemeClr>
-                </a:solidFill>
-              </a:rPr>
-              <a:t>Algorithm</a:t>
-            </a:r>
-            <a:endParaRPr lang="en-IN" dirty="0">
-              <a:solidFill>
-                <a:schemeClr val="tx1">
-                  <a:lumMod val="75000"/>
-                  <a:lumOff val="25000"/>
-                </a:schemeClr>
-              </a:solidFill>
-            </a:endParaRPr>
-          </a:p>
-        </p:txBody>
-      </p:sp>
-      <p:grpSp>
-        <p:nvGrpSpPr>
-          <p:cNvPr id="30" name="Group 29"/>
-          <p:cNvGrpSpPr/>
-          <p:nvPr/>
-        </p:nvGrpSpPr>
-        <p:grpSpPr>
-          <a:xfrm>
-            <a:off x="1035595" y="1603922"/>
-            <a:ext cx="9965780" cy="4118672"/>
-            <a:chOff x="6005930" y="1569962"/>
-            <a:chExt cx="4200378" cy="4118672"/>
-          </a:xfrm>
-        </p:grpSpPr>
-        <p:sp>
-          <p:nvSpPr>
-            <p:cNvPr id="16" name="Rectangle 15"/>
-            <p:cNvSpPr/>
-            <p:nvPr/>
-          </p:nvSpPr>
-          <p:spPr>
-            <a:xfrm>
-              <a:off x="6005930" y="1569962"/>
-              <a:ext cx="767897" cy="989329"/>
-            </a:xfrm>
-            <a:prstGeom prst="rect">
-              <a:avLst/>
-            </a:prstGeom>
-            <a:ln>
-              <a:noFill/>
-            </a:ln>
-          </p:spPr>
-          <p:style>
-            <a:lnRef idx="2">
-              <a:schemeClr val="accent1">
-                <a:shade val="50000"/>
-              </a:schemeClr>
-            </a:lnRef>
-            <a:fillRef idx="1">
-              <a:schemeClr val="accent1"/>
-            </a:fillRef>
-            <a:effectRef idx="0">
-              <a:schemeClr val="accent1"/>
-            </a:effectRef>
-            <a:fontRef idx="minor">
-              <a:schemeClr val="lt1"/>
-            </a:fontRef>
-          </p:style>
-          <p:txBody>
-            <a:bodyPr rtlCol="0" anchor="ctr"/>
-            <a:lstStyle/>
-            <a:p>
-              <a:pPr algn="ctr"/>
-              <a:r>
-                <a:rPr lang="en-US" altLang="zh-CN" sz="3200" b="1" dirty="0">
-                  <a:latin typeface="Arial" pitchFamily="34" charset="0"/>
-                  <a:cs typeface="Arial" pitchFamily="34" charset="0"/>
-                </a:rPr>
-                <a:t>Intuition</a:t>
-              </a:r>
-              <a:endParaRPr lang="en-IN" sz="3200" b="1" dirty="0">
-                <a:latin typeface="Arial" pitchFamily="34" charset="0"/>
-                <a:cs typeface="Arial" pitchFamily="34" charset="0"/>
-              </a:endParaRPr>
-            </a:p>
-          </p:txBody>
-        </p:sp>
-        <p:grpSp>
-          <p:nvGrpSpPr>
-            <p:cNvPr id="85" name="Group 84"/>
-            <p:cNvGrpSpPr/>
-            <p:nvPr/>
-          </p:nvGrpSpPr>
-          <p:grpSpPr>
-            <a:xfrm>
-              <a:off x="6773827" y="1573690"/>
-              <a:ext cx="3432481" cy="2216708"/>
-              <a:chOff x="831248" y="1561368"/>
-              <a:chExt cx="3432481" cy="2216708"/>
-            </a:xfrm>
-          </p:grpSpPr>
-          <p:sp>
-            <p:nvSpPr>
-              <p:cNvPr id="86" name="Rectangle 85"/>
-              <p:cNvSpPr/>
-              <p:nvPr/>
-            </p:nvSpPr>
-            <p:spPr>
-              <a:xfrm>
-                <a:off x="1092006" y="2146860"/>
-                <a:ext cx="3171723" cy="1631216"/>
+                <a:ext cx="3171723" cy="2246769"/>
               </a:xfrm>
               <a:prstGeom prst="rect">
                 <a:avLst/>
@@ -6565,6 +6094,18 @@
                   </a:rPr>
                   <a:t> </a:t>
                 </a:r>
+                <a:endParaRPr lang="en-US" altLang="zh-CN" sz="2000" dirty="0">
+                  <a:solidFill>
+                    <a:schemeClr val="tx1">
+                      <a:lumMod val="65000"/>
+                      <a:lumOff val="35000"/>
+                    </a:schemeClr>
+                  </a:solidFill>
+                  <a:latin typeface="Arial" pitchFamily="34" charset="0"/>
+                  <a:cs typeface="Arial" pitchFamily="34" charset="0"/>
+                </a:endParaRPr>
+              </a:p>
+              <a:p>
                 <a:r>
                   <a:rPr lang="en-US" altLang="zh-CN" sz="2000" dirty="0">
                     <a:solidFill>
@@ -6680,21 +6221,10 @@
                     <a:latin typeface="Arial" pitchFamily="34" charset="0"/>
                     <a:cs typeface="Arial" pitchFamily="34" charset="0"/>
                   </a:rPr>
-                  <a:t>”,</a:t>
+                  <a:t>”</a:t>
                 </a:r>
-                <a:r>
-                  <a:rPr lang="zh-CN" altLang="en-US" sz="2000" dirty="0">
-                    <a:solidFill>
-                      <a:schemeClr val="tx1">
-                        <a:lumMod val="65000"/>
-                        <a:lumOff val="35000"/>
-                      </a:schemeClr>
-                    </a:solidFill>
-                    <a:latin typeface="Arial" pitchFamily="34" charset="0"/>
-                    <a:cs typeface="Arial" pitchFamily="34" charset="0"/>
-                  </a:rPr>
-                  <a:t> </a:t>
-                </a:r>
+              </a:p>
+              <a:p>
                 <a:r>
                   <a:rPr lang="en-US" altLang="zh-CN" sz="2000" dirty="0">
                     <a:solidFill>
@@ -6758,7 +6288,59 @@
                     <a:latin typeface="Arial" pitchFamily="34" charset="0"/>
                     <a:cs typeface="Arial" pitchFamily="34" charset="0"/>
                   </a:rPr>
-                  <a:t>”,</a:t>
+                  <a:t>”</a:t>
+                </a:r>
+                <a:r>
+                  <a:rPr lang="zh-CN" altLang="en-US" sz="2000" dirty="0">
+                    <a:solidFill>
+                      <a:schemeClr val="tx1">
+                        <a:lumMod val="65000"/>
+                        <a:lumOff val="35000"/>
+                      </a:schemeClr>
+                    </a:solidFill>
+                    <a:latin typeface="Arial" pitchFamily="34" charset="0"/>
+                    <a:cs typeface="Arial" pitchFamily="34" charset="0"/>
+                  </a:rPr>
+                  <a:t> </a:t>
+                </a:r>
+                <a:r>
+                  <a:rPr lang="en-US" altLang="zh-CN" sz="2000" dirty="0">
+                    <a:solidFill>
+                      <a:schemeClr val="tx1">
+                        <a:lumMod val="65000"/>
+                        <a:lumOff val="35000"/>
+                      </a:schemeClr>
+                    </a:solidFill>
+                    <a:latin typeface="Arial" pitchFamily="34" charset="0"/>
+                    <a:cs typeface="Arial" pitchFamily="34" charset="0"/>
+                  </a:rPr>
+                  <a:t>(random</a:t>
+                </a:r>
+                <a:r>
+                  <a:rPr lang="zh-CN" altLang="en-US" sz="2000" dirty="0">
+                    <a:solidFill>
+                      <a:schemeClr val="tx1">
+                        <a:lumMod val="65000"/>
+                        <a:lumOff val="35000"/>
+                      </a:schemeClr>
+                    </a:solidFill>
+                    <a:latin typeface="Arial" pitchFamily="34" charset="0"/>
+                    <a:cs typeface="Arial" pitchFamily="34" charset="0"/>
+                  </a:rPr>
+                  <a:t> </a:t>
+                </a:r>
+                <a:r>
+                  <a:rPr lang="en-US" altLang="zh-CN" sz="2000" dirty="0">
+                    <a:solidFill>
+                      <a:schemeClr val="tx1">
+                        <a:lumMod val="65000"/>
+                        <a:lumOff val="35000"/>
+                      </a:schemeClr>
+                    </a:solidFill>
+                    <a:latin typeface="Arial" pitchFamily="34" charset="0"/>
+                    <a:cs typeface="Arial" pitchFamily="34" charset="0"/>
+                  </a:rPr>
+                  <a:t>forest),</a:t>
                 </a:r>
                 <a:r>
                   <a:rPr lang="zh-CN" altLang="en-US" sz="2000" dirty="0">
@@ -6812,6 +6394,58 @@
                   </a:rPr>
                   <a:t>”</a:t>
                 </a:r>
+                <a:r>
+                  <a:rPr lang="zh-CN" altLang="en-US" sz="2000" dirty="0">
+                    <a:solidFill>
+                      <a:schemeClr val="tx1">
+                        <a:lumMod val="65000"/>
+                        <a:lumOff val="35000"/>
+                      </a:schemeClr>
+                    </a:solidFill>
+                    <a:latin typeface="Arial" pitchFamily="34" charset="0"/>
+                    <a:cs typeface="Arial" pitchFamily="34" charset="0"/>
+                  </a:rPr>
+                  <a:t> </a:t>
+                </a:r>
+                <a:r>
+                  <a:rPr lang="en-US" altLang="zh-CN" sz="2000" dirty="0">
+                    <a:solidFill>
+                      <a:schemeClr val="tx1">
+                        <a:lumMod val="65000"/>
+                        <a:lumOff val="35000"/>
+                      </a:schemeClr>
+                    </a:solidFill>
+                    <a:latin typeface="Arial" pitchFamily="34" charset="0"/>
+                    <a:cs typeface="Arial" pitchFamily="34" charset="0"/>
+                  </a:rPr>
+                  <a:t>(random</a:t>
+                </a:r>
+                <a:r>
+                  <a:rPr lang="zh-CN" altLang="en-US" sz="2000" dirty="0">
+                    <a:solidFill>
+                      <a:schemeClr val="tx1">
+                        <a:lumMod val="65000"/>
+                        <a:lumOff val="35000"/>
+                      </a:schemeClr>
+                    </a:solidFill>
+                    <a:latin typeface="Arial" pitchFamily="34" charset="0"/>
+                    <a:cs typeface="Arial" pitchFamily="34" charset="0"/>
+                  </a:rPr>
+                  <a:t> </a:t>
+                </a:r>
+                <a:r>
+                  <a:rPr lang="en-US" altLang="zh-CN" sz="2000" dirty="0">
+                    <a:solidFill>
+                      <a:schemeClr val="tx1">
+                        <a:lumMod val="65000"/>
+                        <a:lumOff val="35000"/>
+                      </a:schemeClr>
+                    </a:solidFill>
+                    <a:latin typeface="Arial" pitchFamily="34" charset="0"/>
+                    <a:cs typeface="Arial" pitchFamily="34" charset="0"/>
+                  </a:rPr>
+                  <a:t>forest)</a:t>
+                </a:r>
                 <a:endParaRPr lang="en-IN" sz="2000" dirty="0">
                   <a:solidFill>
                     <a:schemeClr val="tx1">
@@ -6847,6 +6481,19 @@
               <a:lstStyle/>
               <a:p>
                 <a:r>
+                  <a:rPr lang="en-US" altLang="zh-CN" sz="2400" dirty="0">
+                    <a:solidFill>
+                      <a:schemeClr val="tx1">
+                        <a:lumMod val="75000"/>
+                        <a:lumOff val="25000"/>
+                      </a:schemeClr>
+                    </a:solidFill>
+                    <a:latin typeface="Arial" pitchFamily="34" charset="0"/>
+                    <a:cs typeface="Arial" pitchFamily="34" charset="0"/>
+                  </a:rPr>
+                  <a:t>2</a:t>
+                </a:r>
+                <a:r>
                   <a:rPr lang="en-IN" sz="2400" dirty="0">
                     <a:solidFill>
                       <a:schemeClr val="tx1">
@@ -6857,7 +6504,7 @@
                     <a:latin typeface="Arial" pitchFamily="34" charset="0"/>
                     <a:cs typeface="Arial" pitchFamily="34" charset="0"/>
                   </a:rPr>
-                  <a:t>3. Take advantage of a faster package</a:t>
+                  <a:t>. Take advantage of a faster package</a:t>
                 </a:r>
               </a:p>
             </p:txBody>
@@ -6912,6 +6559,399 @@
 </p:sld>
 </file>
 
+<file path=ppt/slides/slide5.xml><?xml version="1.0" encoding="utf-8"?>
+<p:sld xmlns:a="http://schemas.openxmlformats.org/drawingml/2006/main" xmlns:r="http://schemas.openxmlformats.org/officeDocument/2006/relationships" xmlns:p="http://schemas.openxmlformats.org/presentationml/2006/main">
+  <p:cSld>
+    <p:spTree>
+      <p:nvGrpSpPr>
+        <p:cNvPr id="1" name=""/>
+        <p:cNvGrpSpPr/>
+        <p:nvPr/>
+      </p:nvGrpSpPr>
+      <p:grpSpPr>
+        <a:xfrm>
+          <a:off x="0" y="0"/>
+          <a:ext cx="0" cy="0"/>
+          <a:chOff x="0" y="0"/>
+          <a:chExt cx="0" cy="0"/>
+        </a:xfrm>
+      </p:grpSpPr>
+      <p:sp>
+        <p:nvSpPr>
+          <p:cNvPr id="2" name="Title 1"/>
+          <p:cNvSpPr>
+            <a:spLocks noGrp="1"/>
+          </p:cNvSpPr>
+          <p:nvPr>
+            <p:ph type="title"/>
+          </p:nvPr>
+        </p:nvSpPr>
+        <p:spPr/>
+        <p:txBody>
+          <a:bodyPr/>
+          <a:lstStyle/>
+          <a:p>
+            <a:r>
+              <a:rPr lang="en-US" altLang="zh-CN" dirty="0">
+                <a:solidFill>
+                  <a:schemeClr val="tx1">
+                    <a:lumMod val="75000"/>
+                    <a:lumOff val="25000"/>
+                  </a:schemeClr>
+                </a:solidFill>
+              </a:rPr>
+              <a:t>Proposed</a:t>
+            </a:r>
+            <a:r>
+              <a:rPr lang="zh-CN" altLang="en-US" dirty="0">
+                <a:solidFill>
+                  <a:schemeClr val="tx1">
+                    <a:lumMod val="75000"/>
+                    <a:lumOff val="25000"/>
+                  </a:schemeClr>
+                </a:solidFill>
+              </a:rPr>
+              <a:t> </a:t>
+            </a:r>
+            <a:r>
+              <a:rPr lang="en-US" altLang="zh-CN" dirty="0">
+                <a:solidFill>
+                  <a:schemeClr val="tx1">
+                    <a:lumMod val="75000"/>
+                    <a:lumOff val="25000"/>
+                  </a:schemeClr>
+                </a:solidFill>
+              </a:rPr>
+              <a:t>Algorithm</a:t>
+            </a:r>
+            <a:endParaRPr lang="en-IN" dirty="0">
+              <a:solidFill>
+                <a:schemeClr val="tx1">
+                  <a:lumMod val="75000"/>
+                  <a:lumOff val="25000"/>
+                </a:schemeClr>
+              </a:solidFill>
+            </a:endParaRPr>
+          </a:p>
+        </p:txBody>
+      </p:sp>
+      <p:grpSp>
+        <p:nvGrpSpPr>
+          <p:cNvPr id="30" name="Group 29"/>
+          <p:cNvGrpSpPr/>
+          <p:nvPr/>
+        </p:nvGrpSpPr>
+        <p:grpSpPr>
+          <a:xfrm>
+            <a:off x="1035595" y="1603922"/>
+            <a:ext cx="9965780" cy="4118672"/>
+            <a:chOff x="6005930" y="1569962"/>
+            <a:chExt cx="4200378" cy="4118672"/>
+          </a:xfrm>
+        </p:grpSpPr>
+        <p:sp>
+          <p:nvSpPr>
+            <p:cNvPr id="16" name="Rectangle 15"/>
+            <p:cNvSpPr/>
+            <p:nvPr/>
+          </p:nvSpPr>
+          <p:spPr>
+            <a:xfrm>
+              <a:off x="6005930" y="1569962"/>
+              <a:ext cx="767897" cy="989329"/>
+            </a:xfrm>
+            <a:prstGeom prst="rect">
+              <a:avLst/>
+            </a:prstGeom>
+            <a:ln>
+              <a:noFill/>
+            </a:ln>
+          </p:spPr>
+          <p:style>
+            <a:lnRef idx="2">
+              <a:schemeClr val="accent1">
+                <a:shade val="50000"/>
+              </a:schemeClr>
+            </a:lnRef>
+            <a:fillRef idx="1">
+              <a:schemeClr val="accent1"/>
+            </a:fillRef>
+            <a:effectRef idx="0">
+              <a:schemeClr val="accent1"/>
+            </a:effectRef>
+            <a:fontRef idx="minor">
+              <a:schemeClr val="lt1"/>
+            </a:fontRef>
+          </p:style>
+          <p:txBody>
+            <a:bodyPr rtlCol="0" anchor="ctr"/>
+            <a:lstStyle/>
+            <a:p>
+              <a:pPr algn="ctr"/>
+              <a:r>
+                <a:rPr lang="en-US" altLang="zh-CN" sz="3200" b="1" dirty="0">
+                  <a:latin typeface="Arial" pitchFamily="34" charset="0"/>
+                  <a:cs typeface="Arial" pitchFamily="34" charset="0"/>
+                </a:rPr>
+                <a:t>Intuition</a:t>
+              </a:r>
+              <a:endParaRPr lang="en-IN" sz="3200" b="1" dirty="0">
+                <a:latin typeface="Arial" pitchFamily="34" charset="0"/>
+                <a:cs typeface="Arial" pitchFamily="34" charset="0"/>
+              </a:endParaRPr>
+            </a:p>
+          </p:txBody>
+        </p:sp>
+        <p:grpSp>
+          <p:nvGrpSpPr>
+            <p:cNvPr id="85" name="Group 84"/>
+            <p:cNvGrpSpPr/>
+            <p:nvPr/>
+          </p:nvGrpSpPr>
+          <p:grpSpPr>
+            <a:xfrm>
+              <a:off x="6773827" y="1573690"/>
+              <a:ext cx="3432481" cy="1601155"/>
+              <a:chOff x="831248" y="1561368"/>
+              <a:chExt cx="3432481" cy="1601155"/>
+            </a:xfrm>
+          </p:grpSpPr>
+          <p:sp>
+            <p:nvSpPr>
+              <p:cNvPr id="86" name="Rectangle 85"/>
+              <p:cNvSpPr/>
+              <p:nvPr/>
+            </p:nvSpPr>
+            <p:spPr>
+              <a:xfrm>
+                <a:off x="1092006" y="2146860"/>
+                <a:ext cx="3171723" cy="1015663"/>
+              </a:xfrm>
+              <a:prstGeom prst="rect">
+                <a:avLst/>
+              </a:prstGeom>
+            </p:spPr>
+            <p:txBody>
+              <a:bodyPr wrap="square">
+                <a:spAutoFit/>
+              </a:bodyPr>
+              <a:lstStyle/>
+              <a:p>
+                <a:pPr marL="342900" indent="-342900">
+                  <a:buFont typeface="Arial" panose="020B0604020202020204" pitchFamily="34" charset="0"/>
+                  <a:buChar char="•"/>
+                </a:pPr>
+                <a:r>
+                  <a:rPr lang="en-IN" sz="2000" dirty="0">
+                    <a:solidFill>
+                      <a:schemeClr val="tx1">
+                        <a:lumMod val="65000"/>
+                        <a:lumOff val="35000"/>
+                      </a:schemeClr>
+                    </a:solidFill>
+                    <a:latin typeface="Arial" pitchFamily="34" charset="0"/>
+                    <a:cs typeface="Arial" pitchFamily="34" charset="0"/>
+                  </a:rPr>
+                  <a:t>Tune max depth and learning rate at the same time</a:t>
+                </a:r>
+              </a:p>
+              <a:p>
+                <a:pPr marL="342900" indent="-342900">
+                  <a:buFont typeface="Arial" panose="020B0604020202020204" pitchFamily="34" charset="0"/>
+                  <a:buChar char="•"/>
+                </a:pPr>
+                <a:r>
+                  <a:rPr lang="en-IN" sz="2000" dirty="0">
+                    <a:solidFill>
+                      <a:schemeClr val="tx1">
+                        <a:lumMod val="65000"/>
+                        <a:lumOff val="35000"/>
+                      </a:schemeClr>
+                    </a:solidFill>
+                    <a:latin typeface="Arial" pitchFamily="34" charset="0"/>
+                    <a:cs typeface="Arial" pitchFamily="34" charset="0"/>
+                  </a:rPr>
+                  <a:t>Apply “one-standard-error rule” in cross validation process</a:t>
+                </a:r>
+              </a:p>
+              <a:p>
+                <a:pPr marL="342900" indent="-342900">
+                  <a:buFont typeface="Arial" panose="020B0604020202020204" pitchFamily="34" charset="0"/>
+                  <a:buChar char="•"/>
+                </a:pPr>
+                <a:endParaRPr lang="en-IN" sz="2000" dirty="0">
+                  <a:solidFill>
+                    <a:schemeClr val="tx1">
+                      <a:lumMod val="65000"/>
+                      <a:lumOff val="35000"/>
+                    </a:schemeClr>
+                  </a:solidFill>
+                  <a:latin typeface="Arial" pitchFamily="34" charset="0"/>
+                  <a:cs typeface="Arial" pitchFamily="34" charset="0"/>
+                </a:endParaRPr>
+              </a:p>
+            </p:txBody>
+          </p:sp>
+          <p:sp>
+            <p:nvSpPr>
+              <p:cNvPr id="87" name="Rectangle 86"/>
+              <p:cNvSpPr/>
+              <p:nvPr/>
+            </p:nvSpPr>
+            <p:spPr>
+              <a:xfrm>
+                <a:off x="831248" y="1561368"/>
+                <a:ext cx="3432481" cy="461665"/>
+              </a:xfrm>
+              <a:prstGeom prst="rect">
+                <a:avLst/>
+              </a:prstGeom>
+            </p:spPr>
+            <p:txBody>
+              <a:bodyPr wrap="square">
+                <a:spAutoFit/>
+              </a:bodyPr>
+              <a:lstStyle/>
+              <a:p>
+                <a:r>
+                  <a:rPr lang="en-US" altLang="zh-CN" sz="2400" dirty="0">
+                    <a:solidFill>
+                      <a:schemeClr val="tx1">
+                        <a:lumMod val="75000"/>
+                        <a:lumOff val="25000"/>
+                      </a:schemeClr>
+                    </a:solidFill>
+                    <a:latin typeface="Arial" pitchFamily="34" charset="0"/>
+                    <a:cs typeface="Arial" pitchFamily="34" charset="0"/>
+                  </a:rPr>
+                  <a:t>3</a:t>
+                </a:r>
+                <a:r>
+                  <a:rPr lang="en-IN" sz="2400" dirty="0">
+                    <a:solidFill>
+                      <a:schemeClr val="tx1">
+                        <a:lumMod val="75000"/>
+                        <a:lumOff val="25000"/>
+                      </a:schemeClr>
+                    </a:solidFill>
+                    <a:latin typeface="Arial" pitchFamily="34" charset="0"/>
+                    <a:cs typeface="Arial" pitchFamily="34" charset="0"/>
+                  </a:rPr>
+                  <a:t>. More parameters tuned</a:t>
+                </a:r>
+              </a:p>
+            </p:txBody>
+          </p:sp>
+        </p:grpSp>
+        <p:cxnSp>
+          <p:nvCxnSpPr>
+            <p:cNvPr id="5" name="Straight Connector 4"/>
+            <p:cNvCxnSpPr/>
+            <p:nvPr/>
+          </p:nvCxnSpPr>
+          <p:spPr>
+            <a:xfrm>
+              <a:off x="6773827" y="1569962"/>
+              <a:ext cx="0" cy="4118672"/>
+            </a:xfrm>
+            <a:prstGeom prst="line">
+              <a:avLst/>
+            </a:prstGeom>
+            <a:ln>
+              <a:solidFill>
+                <a:schemeClr val="accent1"/>
+              </a:solidFill>
+            </a:ln>
+          </p:spPr>
+          <p:style>
+            <a:lnRef idx="1">
+              <a:schemeClr val="accent1"/>
+            </a:lnRef>
+            <a:fillRef idx="0">
+              <a:schemeClr val="accent1"/>
+            </a:fillRef>
+            <a:effectRef idx="0">
+              <a:schemeClr val="accent1"/>
+            </a:effectRef>
+            <a:fontRef idx="minor">
+              <a:schemeClr val="tx1"/>
+            </a:fontRef>
+          </p:style>
+        </p:cxnSp>
+      </p:grpSp>
+      <p:pic>
+        <p:nvPicPr>
+          <p:cNvPr id="4" name="Picture 3">
+            <a:extLst>
+              <a:ext uri="{FF2B5EF4-FFF2-40B4-BE49-F238E27FC236}">
+                <a16:creationId xmlns:a16="http://schemas.microsoft.com/office/drawing/2014/main" id="{9F1C0B32-8BC4-2441-94D6-B8C341AE0DDD}"/>
+              </a:ext>
+            </a:extLst>
+          </p:cNvPr>
+          <p:cNvPicPr>
+            <a:picLocks noChangeAspect="1"/>
+          </p:cNvPicPr>
+          <p:nvPr/>
+        </p:nvPicPr>
+        <p:blipFill>
+          <a:blip r:embed="rId3"/>
+          <a:stretch>
+            <a:fillRect/>
+          </a:stretch>
+        </p:blipFill>
+        <p:spPr>
+          <a:xfrm>
+            <a:off x="3060369" y="2933213"/>
+            <a:ext cx="2258701" cy="3486935"/>
+          </a:xfrm>
+          <a:prstGeom prst="rect">
+            <a:avLst/>
+          </a:prstGeom>
+        </p:spPr>
+      </p:pic>
+      <p:pic>
+        <p:nvPicPr>
+          <p:cNvPr id="6" name="Picture 5">
+            <a:extLst>
+              <a:ext uri="{FF2B5EF4-FFF2-40B4-BE49-F238E27FC236}">
+                <a16:creationId xmlns:a16="http://schemas.microsoft.com/office/drawing/2014/main" id="{7052AEB3-A8AF-CA41-8B3C-BB1B232D3D69}"/>
+              </a:ext>
+            </a:extLst>
+          </p:cNvPr>
+          <p:cNvPicPr>
+            <a:picLocks noChangeAspect="1"/>
+          </p:cNvPicPr>
+          <p:nvPr/>
+        </p:nvPicPr>
+        <p:blipFill>
+          <a:blip r:embed="rId4"/>
+          <a:stretch>
+            <a:fillRect/>
+          </a:stretch>
+        </p:blipFill>
+        <p:spPr>
+          <a:xfrm>
+            <a:off x="5483939" y="2933213"/>
+            <a:ext cx="5933240" cy="3181837"/>
+          </a:xfrm>
+          <a:prstGeom prst="rect">
+            <a:avLst/>
+          </a:prstGeom>
+        </p:spPr>
+      </p:pic>
+    </p:spTree>
+    <p:extLst>
+      <p:ext uri="{BB962C8B-B14F-4D97-AF65-F5344CB8AC3E}">
+        <p14:creationId xmlns:p14="http://schemas.microsoft.com/office/powerpoint/2010/main" val="2246479188"/>
+      </p:ext>
+    </p:extLst>
+  </p:cSld>
+  <p:clrMapOvr>
+    <a:masterClrMapping/>
+  </p:clrMapOvr>
+</p:sld>
+</file>
+
 <file path=ppt/slides/slide6.xml><?xml version="1.0" encoding="utf-8"?>
 <p:sld xmlns:a="http://schemas.openxmlformats.org/drawingml/2006/main" xmlns:r="http://schemas.openxmlformats.org/officeDocument/2006/relationships" xmlns:p="http://schemas.openxmlformats.org/presentationml/2006/main">
   <p:cSld>
@@ -6997,9 +7037,9 @@
         <p:grpSpPr>
           <a:xfrm>
             <a:off x="385760" y="1603923"/>
-            <a:ext cx="10915656" cy="4118672"/>
+            <a:ext cx="11083702" cy="4118672"/>
             <a:chOff x="5732039" y="1569963"/>
-            <a:chExt cx="4600731" cy="4118672"/>
+            <a:chExt cx="4671559" cy="4118672"/>
           </a:xfrm>
         </p:grpSpPr>
         <p:sp>
@@ -7068,7 +7108,7 @@
           </p:nvSpPr>
           <p:spPr>
             <a:xfrm>
-              <a:off x="6900289" y="1573690"/>
+              <a:off x="6971117" y="1599356"/>
               <a:ext cx="3432481" cy="461665"/>
             </a:xfrm>
             <a:prstGeom prst="rect">
@@ -7184,14 +7224,14 @@
           <p:nvPr>
             <p:extLst>
               <p:ext uri="{D42A27DB-BD31-4B8C-83A1-F6EECF244321}">
-                <p14:modId xmlns:p14="http://schemas.microsoft.com/office/powerpoint/2010/main" val="3883759677"/>
+                <p14:modId xmlns:p14="http://schemas.microsoft.com/office/powerpoint/2010/main" val="2106989084"/>
               </p:ext>
             </p:extLst>
           </p:nvPr>
         </p:nvGraphicFramePr>
         <p:xfrm>
-          <a:off x="3375026" y="2586039"/>
-          <a:ext cx="7826373" cy="1483360"/>
+          <a:off x="3325585" y="2265406"/>
+          <a:ext cx="7826372" cy="1752600"/>
         </p:xfrm>
         <a:graphic>
           <a:graphicData uri="http://schemas.openxmlformats.org/drawingml/2006/table">
@@ -7200,24 +7240,31 @@
                 <a:tableStyleId>{00A15C55-8517-42AA-B614-E9B94910E393}</a:tableStyleId>
               </a:tblPr>
               <a:tblGrid>
-                <a:gridCol w="2608791">
+                <a:gridCol w="1956593">
                   <a:extLst>
                     <a:ext uri="{9D8B030D-6E8A-4147-A177-3AD203B41FA5}">
                       <a16:colId xmlns:a16="http://schemas.microsoft.com/office/drawing/2014/main" val="3146782162"/>
                     </a:ext>
                   </a:extLst>
                 </a:gridCol>
-                <a:gridCol w="2608791">
+                <a:gridCol w="1956593">
                   <a:extLst>
                     <a:ext uri="{9D8B030D-6E8A-4147-A177-3AD203B41FA5}">
                       <a16:colId xmlns:a16="http://schemas.microsoft.com/office/drawing/2014/main" val="322873971"/>
                     </a:ext>
                   </a:extLst>
                 </a:gridCol>
-                <a:gridCol w="2608791">
+                <a:gridCol w="1956593">
                   <a:extLst>
                     <a:ext uri="{9D8B030D-6E8A-4147-A177-3AD203B41FA5}">
                       <a16:colId xmlns:a16="http://schemas.microsoft.com/office/drawing/2014/main" val="2973568696"/>
+                    </a:ext>
+                  </a:extLst>
+                </a:gridCol>
+                <a:gridCol w="1956593">
+                  <a:extLst>
+                    <a:ext uri="{9D8B030D-6E8A-4147-A177-3AD203B41FA5}">
+                      <a16:colId xmlns:a16="http://schemas.microsoft.com/office/drawing/2014/main" val="3633143942"/>
                     </a:ext>
                   </a:extLst>
                 </a:gridCol>
@@ -7274,6 +7321,21 @@
                       <a:r>
                         <a:rPr lang="en-US" altLang="zh-CN" dirty="0"/>
                         <a:t>Improvement</a:t>
+                      </a:r>
+                      <a:endParaRPr lang="en-US" dirty="0"/>
+                    </a:p>
+                  </a:txBody>
+                  <a:tcPr/>
+                </a:tc>
+                <a:tc>
+                  <a:txBody>
+                    <a:bodyPr/>
+                    <a:lstStyle/>
+                    <a:p>
+                      <a:pPr algn="ctr"/>
+                      <a:r>
+                        <a:rPr lang="en-US" altLang="zh-CN" dirty="0"/>
+                        <a:t>Rate</a:t>
                       </a:r>
                       <a:endParaRPr lang="en-US" dirty="0"/>
                     </a:p>
@@ -7347,6 +7409,29 @@
                   </a:txBody>
                   <a:tcPr/>
                 </a:tc>
+                <a:tc>
+                  <a:txBody>
+                    <a:bodyPr/>
+                    <a:lstStyle/>
+                    <a:p>
+                      <a:pPr algn="ctr"/>
+                      <a:r>
+                        <a:rPr lang="en-US" altLang="zh-CN" dirty="0"/>
+                        <a:t>Increase</a:t>
+                      </a:r>
+                      <a:r>
+                        <a:rPr lang="zh-CN" altLang="en-US" dirty="0"/>
+                        <a:t> </a:t>
+                      </a:r>
+                      <a:r>
+                        <a:rPr lang="en-US" altLang="zh-CN" dirty="0"/>
+                        <a:t>28.8%</a:t>
+                      </a:r>
+                      <a:endParaRPr lang="en-US" dirty="0"/>
+                    </a:p>
+                  </a:txBody>
+                  <a:tcPr/>
+                </a:tc>
                 <a:extLst>
                   <a:ext uri="{0D108BD9-81ED-4DB2-BD59-A6C34878D82A}">
                     <a16:rowId xmlns:a16="http://schemas.microsoft.com/office/drawing/2014/main" val="3245708133"/>
@@ -7362,7 +7447,7 @@
                       <a:pPr algn="ctr"/>
                       <a:r>
                         <a:rPr lang="en-US" altLang="zh-CN" dirty="0"/>
-                        <a:t>Train</a:t>
+                        <a:t>Prediction</a:t>
                       </a:r>
                       <a:r>
                         <a:rPr lang="zh-CN" altLang="en-US" dirty="0"/>
@@ -7418,6 +7503,45 @@
                         <a:rPr lang="en-US" dirty="0"/>
                         <a:t> s</a:t>
                       </a:r>
+                    </a:p>
+                  </a:txBody>
+                  <a:tcPr/>
+                </a:tc>
+                <a:tc>
+                  <a:txBody>
+                    <a:bodyPr/>
+                    <a:lstStyle/>
+                    <a:p>
+                      <a:pPr algn="ctr"/>
+                      <a:r>
+                        <a:rPr lang="en-US" altLang="zh-CN" dirty="0">
+                          <a:solidFill>
+                            <a:srgbClr val="FF0000"/>
+                          </a:solidFill>
+                        </a:rPr>
+                        <a:t>Decrease</a:t>
+                      </a:r>
+                      <a:r>
+                        <a:rPr lang="zh-CN" altLang="en-US" dirty="0">
+                          <a:solidFill>
+                            <a:srgbClr val="FF0000"/>
+                          </a:solidFill>
+                        </a:rPr>
+                        <a:t> </a:t>
+                      </a:r>
+                      <a:r>
+                        <a:rPr lang="en-US" altLang="zh-CN" dirty="0">
+                          <a:solidFill>
+                            <a:srgbClr val="FF0000"/>
+                          </a:solidFill>
+                        </a:rPr>
+                        <a:t>75.2%</a:t>
+                      </a:r>
+                      <a:endParaRPr lang="en-US" dirty="0">
+                        <a:solidFill>
+                          <a:srgbClr val="FF0000"/>
+                        </a:solidFill>
+                      </a:endParaRPr>
                     </a:p>
                   </a:txBody>
                   <a:tcPr/>
@@ -7513,6 +7637,17 @@
                   </a:txBody>
                   <a:tcPr/>
                 </a:tc>
+                <a:tc>
+                  <a:txBody>
+                    <a:bodyPr/>
+                    <a:lstStyle/>
+                    <a:p>
+                      <a:pPr algn="ctr"/>
+                      <a:endParaRPr lang="en-US" dirty="0"/>
+                    </a:p>
+                  </a:txBody>
+                  <a:tcPr/>
+                </a:tc>
                 <a:extLst>
                   <a:ext uri="{0D108BD9-81ED-4DB2-BD59-A6C34878D82A}">
                     <a16:rowId xmlns:a16="http://schemas.microsoft.com/office/drawing/2014/main" val="2065030323"/>
@@ -7523,228 +7658,129 @@
           </a:graphicData>
         </a:graphic>
       </p:graphicFrame>
-    </p:spTree>
-    <p:extLst>
-      <p:ext uri="{BB962C8B-B14F-4D97-AF65-F5344CB8AC3E}">
-        <p14:creationId xmlns:p14="http://schemas.microsoft.com/office/powerpoint/2010/main" val="510005253"/>
-      </p:ext>
-    </p:extLst>
-  </p:cSld>
-  <p:clrMapOvr>
-    <a:masterClrMapping/>
-  </p:clrMapOvr>
-</p:sld>
-</file>
-
-<file path=ppt/slides/slide7.xml><?xml version="1.0" encoding="utf-8"?>
-<p:sld xmlns:a="http://schemas.openxmlformats.org/drawingml/2006/main" xmlns:r="http://schemas.openxmlformats.org/officeDocument/2006/relationships" xmlns:p="http://schemas.openxmlformats.org/presentationml/2006/main">
-  <p:cSld>
-    <p:spTree>
-      <p:nvGrpSpPr>
-        <p:cNvPr id="1" name=""/>
-        <p:cNvGrpSpPr/>
-        <p:nvPr/>
-      </p:nvGrpSpPr>
-      <p:grpSpPr>
-        <a:xfrm>
-          <a:off x="0" y="0"/>
-          <a:ext cx="0" cy="0"/>
-          <a:chOff x="0" y="0"/>
-          <a:chExt cx="0" cy="0"/>
-        </a:xfrm>
-      </p:grpSpPr>
-      <p:sp>
-        <p:nvSpPr>
-          <p:cNvPr id="2" name="Title 1"/>
-          <p:cNvSpPr>
-            <a:spLocks noGrp="1"/>
-          </p:cNvSpPr>
-          <p:nvPr>
-            <p:ph type="title"/>
-          </p:nvPr>
-        </p:nvSpPr>
-        <p:spPr/>
-        <p:txBody>
-          <a:bodyPr/>
-          <a:lstStyle/>
-          <a:p>
-            <a:r>
-              <a:rPr lang="en-US" altLang="zh-CN" dirty="0">
+      <p:sp>
+        <p:nvSpPr>
+          <p:cNvPr id="8" name="Rectangle 7">
+            <a:extLst>
+              <a:ext uri="{FF2B5EF4-FFF2-40B4-BE49-F238E27FC236}">
+                <a16:creationId xmlns:a16="http://schemas.microsoft.com/office/drawing/2014/main" id="{47FC7A9B-E4AC-F947-930A-BA3156D46E37}"/>
+              </a:ext>
+            </a:extLst>
+          </p:cNvPr>
+          <p:cNvSpPr/>
+          <p:nvPr/>
+        </p:nvSpPr>
+        <p:spPr>
+          <a:xfrm>
+            <a:off x="3325585" y="4214097"/>
+            <a:ext cx="8143876" cy="461665"/>
+          </a:xfrm>
+          <a:prstGeom prst="rect">
+            <a:avLst/>
+          </a:prstGeom>
+        </p:spPr>
+        <p:txBody>
+          <a:bodyPr wrap="square">
+            <a:spAutoFit/>
+          </a:bodyPr>
+          <a:lstStyle>
+            <a:defPPr>
+              <a:defRPr lang="en-US"/>
+            </a:defPPr>
+            <a:lvl1pPr marL="0" algn="l" defTabSz="914400" rtl="0" eaLnBrk="1" latinLnBrk="0" hangingPunct="1">
+              <a:defRPr sz="1800" kern="1200">
                 <a:solidFill>
-                  <a:schemeClr val="tx1">
-                    <a:lumMod val="75000"/>
-                    <a:lumOff val="25000"/>
-                  </a:schemeClr>
+                  <a:schemeClr val="tx1"/>
                 </a:solidFill>
-              </a:rPr>
-              <a:t>Proposed</a:t>
-            </a:r>
-            <a:r>
-              <a:rPr lang="zh-CN" altLang="en-US" dirty="0">
+                <a:latin typeface="+mn-lt"/>
+                <a:ea typeface="+mn-ea"/>
+                <a:cs typeface="+mn-cs"/>
+              </a:defRPr>
+            </a:lvl1pPr>
+            <a:lvl2pPr marL="457200" algn="l" defTabSz="914400" rtl="0" eaLnBrk="1" latinLnBrk="0" hangingPunct="1">
+              <a:defRPr sz="1800" kern="1200">
                 <a:solidFill>
-                  <a:schemeClr val="tx1">
-                    <a:lumMod val="75000"/>
-                    <a:lumOff val="25000"/>
-                  </a:schemeClr>
+                  <a:schemeClr val="tx1"/>
                 </a:solidFill>
-              </a:rPr>
-              <a:t> </a:t>
-            </a:r>
-            <a:r>
-              <a:rPr lang="en-US" altLang="zh-CN" dirty="0">
+                <a:latin typeface="+mn-lt"/>
+                <a:ea typeface="+mn-ea"/>
+                <a:cs typeface="+mn-cs"/>
+              </a:defRPr>
+            </a:lvl2pPr>
+            <a:lvl3pPr marL="914400" algn="l" defTabSz="914400" rtl="0" eaLnBrk="1" latinLnBrk="0" hangingPunct="1">
+              <a:defRPr sz="1800" kern="1200">
                 <a:solidFill>
-                  <a:schemeClr val="tx1">
-                    <a:lumMod val="75000"/>
-                    <a:lumOff val="25000"/>
-                  </a:schemeClr>
+                  <a:schemeClr val="tx1"/>
                 </a:solidFill>
-              </a:rPr>
-              <a:t>Algorithm</a:t>
-            </a:r>
-            <a:endParaRPr lang="en-IN" dirty="0">
-              <a:solidFill>
-                <a:schemeClr val="tx1">
-                  <a:lumMod val="75000"/>
-                  <a:lumOff val="25000"/>
-                </a:schemeClr>
-              </a:solidFill>
-            </a:endParaRPr>
-          </a:p>
-        </p:txBody>
-      </p:sp>
-      <p:grpSp>
-        <p:nvGrpSpPr>
-          <p:cNvPr id="30" name="Group 29"/>
-          <p:cNvGrpSpPr/>
-          <p:nvPr/>
-        </p:nvGrpSpPr>
-        <p:grpSpPr>
-          <a:xfrm>
-            <a:off x="385760" y="1603923"/>
-            <a:ext cx="10915656" cy="4118672"/>
-            <a:chOff x="5732039" y="1569963"/>
-            <a:chExt cx="4600731" cy="4118672"/>
-          </a:xfrm>
-        </p:grpSpPr>
-        <p:sp>
-          <p:nvSpPr>
-            <p:cNvPr id="16" name="Rectangle 15"/>
-            <p:cNvSpPr/>
-            <p:nvPr/>
-          </p:nvSpPr>
-          <p:spPr>
-            <a:xfrm>
-              <a:off x="5732039" y="1569963"/>
-              <a:ext cx="1154005" cy="982116"/>
-            </a:xfrm>
-            <a:prstGeom prst="rect">
-              <a:avLst/>
-            </a:prstGeom>
-            <a:solidFill>
-              <a:schemeClr val="accent4"/>
-            </a:solidFill>
-            <a:ln>
-              <a:solidFill>
-                <a:schemeClr val="accent4"/>
-              </a:solidFill>
-            </a:ln>
-          </p:spPr>
-          <p:style>
-            <a:lnRef idx="2">
-              <a:schemeClr val="accent1">
-                <a:shade val="50000"/>
-              </a:schemeClr>
-            </a:lnRef>
-            <a:fillRef idx="1">
-              <a:schemeClr val="accent1"/>
-            </a:fillRef>
-            <a:effectRef idx="0">
-              <a:schemeClr val="accent1"/>
-            </a:effectRef>
-            <a:fontRef idx="minor">
-              <a:schemeClr val="lt1"/>
-            </a:fontRef>
-          </p:style>
-          <p:txBody>
-            <a:bodyPr rtlCol="0" anchor="ctr"/>
-            <a:lstStyle/>
-            <a:p>
-              <a:pPr algn="ctr"/>
-              <a:r>
-                <a:rPr lang="en-US" altLang="zh-CN" sz="3200" b="1" dirty="0">
-                  <a:latin typeface="Arial" pitchFamily="34" charset="0"/>
-                  <a:cs typeface="Arial" pitchFamily="34" charset="0"/>
-                </a:rPr>
-                <a:t>Performance</a:t>
-              </a:r>
-              <a:endParaRPr lang="en-IN" sz="3200" b="1" dirty="0">
-                <a:latin typeface="Arial" pitchFamily="34" charset="0"/>
-                <a:cs typeface="Arial" pitchFamily="34" charset="0"/>
-              </a:endParaRPr>
-            </a:p>
-          </p:txBody>
-        </p:sp>
-        <p:sp>
-          <p:nvSpPr>
-            <p:cNvPr id="87" name="Rectangle 86"/>
-            <p:cNvSpPr/>
-            <p:nvPr/>
-          </p:nvSpPr>
-          <p:spPr>
-            <a:xfrm>
-              <a:off x="6900289" y="1573690"/>
-              <a:ext cx="3432481" cy="461665"/>
-            </a:xfrm>
-            <a:prstGeom prst="rect">
-              <a:avLst/>
-            </a:prstGeom>
-          </p:spPr>
-          <p:txBody>
-            <a:bodyPr wrap="square">
-              <a:spAutoFit/>
-            </a:bodyPr>
-            <a:lstStyle/>
-            <a:p>
-              <a:r>
-                <a:rPr lang="en-US" altLang="zh-CN" sz="2400" dirty="0">
-                  <a:solidFill>
-                    <a:schemeClr val="tx1">
-                      <a:lumMod val="75000"/>
-                      <a:lumOff val="25000"/>
-                    </a:schemeClr>
-                  </a:solidFill>
-                  <a:latin typeface="Arial" pitchFamily="34" charset="0"/>
-                  <a:cs typeface="Arial" pitchFamily="34" charset="0"/>
-                </a:rPr>
-                <a:t>2.</a:t>
-              </a:r>
-              <a:r>
-                <a:rPr lang="zh-CN" altLang="en-US" sz="2400" dirty="0">
-                  <a:solidFill>
-                    <a:schemeClr val="tx1">
-                      <a:lumMod val="75000"/>
-                      <a:lumOff val="25000"/>
-                    </a:schemeClr>
-                  </a:solidFill>
-                  <a:latin typeface="Arial" pitchFamily="34" charset="0"/>
-                  <a:cs typeface="Arial" pitchFamily="34" charset="0"/>
-                </a:rPr>
-                <a:t> </a:t>
-              </a:r>
-              <a:r>
-                <a:rPr lang="en-US" altLang="zh-CN" sz="2400" dirty="0">
-                  <a:solidFill>
-                    <a:schemeClr val="tx1">
-                      <a:lumMod val="75000"/>
-                      <a:lumOff val="25000"/>
-                    </a:schemeClr>
-                  </a:solidFill>
-                  <a:latin typeface="Arial" pitchFamily="34" charset="0"/>
-                  <a:cs typeface="Arial" pitchFamily="34" charset="0"/>
-                </a:rPr>
-                <a:t>Accuracy</a:t>
-              </a:r>
-              <a:endParaRPr lang="en-IN" sz="2400" dirty="0">
+                <a:latin typeface="+mn-lt"/>
+                <a:ea typeface="+mn-ea"/>
+                <a:cs typeface="+mn-cs"/>
+              </a:defRPr>
+            </a:lvl3pPr>
+            <a:lvl4pPr marL="1371600" algn="l" defTabSz="914400" rtl="0" eaLnBrk="1" latinLnBrk="0" hangingPunct="1">
+              <a:defRPr sz="1800" kern="1200">
+                <a:solidFill>
+                  <a:schemeClr val="tx1"/>
+                </a:solidFill>
+                <a:latin typeface="+mn-lt"/>
+                <a:ea typeface="+mn-ea"/>
+                <a:cs typeface="+mn-cs"/>
+              </a:defRPr>
+            </a:lvl4pPr>
+            <a:lvl5pPr marL="1828800" algn="l" defTabSz="914400" rtl="0" eaLnBrk="1" latinLnBrk="0" hangingPunct="1">
+              <a:defRPr sz="1800" kern="1200">
+                <a:solidFill>
+                  <a:schemeClr val="tx1"/>
+                </a:solidFill>
+                <a:latin typeface="+mn-lt"/>
+                <a:ea typeface="+mn-ea"/>
+                <a:cs typeface="+mn-cs"/>
+              </a:defRPr>
+            </a:lvl5pPr>
+            <a:lvl6pPr marL="2286000" algn="l" defTabSz="914400" rtl="0" eaLnBrk="1" latinLnBrk="0" hangingPunct="1">
+              <a:defRPr sz="1800" kern="1200">
+                <a:solidFill>
+                  <a:schemeClr val="tx1"/>
+                </a:solidFill>
+                <a:latin typeface="+mn-lt"/>
+                <a:ea typeface="+mn-ea"/>
+                <a:cs typeface="+mn-cs"/>
+              </a:defRPr>
+            </a:lvl6pPr>
+            <a:lvl7pPr marL="2743200" algn="l" defTabSz="914400" rtl="0" eaLnBrk="1" latinLnBrk="0" hangingPunct="1">
+              <a:defRPr sz="1800" kern="1200">
+                <a:solidFill>
+                  <a:schemeClr val="tx1"/>
+                </a:solidFill>
+                <a:latin typeface="+mn-lt"/>
+                <a:ea typeface="+mn-ea"/>
+                <a:cs typeface="+mn-cs"/>
+              </a:defRPr>
+            </a:lvl7pPr>
+            <a:lvl8pPr marL="3200400" algn="l" defTabSz="914400" rtl="0" eaLnBrk="1" latinLnBrk="0" hangingPunct="1">
+              <a:defRPr sz="1800" kern="1200">
+                <a:solidFill>
+                  <a:schemeClr val="tx1"/>
+                </a:solidFill>
+                <a:latin typeface="+mn-lt"/>
+                <a:ea typeface="+mn-ea"/>
+                <a:cs typeface="+mn-cs"/>
+              </a:defRPr>
+            </a:lvl8pPr>
+            <a:lvl9pPr marL="3657600" algn="l" defTabSz="914400" rtl="0" eaLnBrk="1" latinLnBrk="0" hangingPunct="1">
+              <a:defRPr sz="1800" kern="1200">
+                <a:solidFill>
+                  <a:schemeClr val="tx1"/>
+                </a:solidFill>
+                <a:latin typeface="+mn-lt"/>
+                <a:ea typeface="+mn-ea"/>
+                <a:cs typeface="+mn-cs"/>
+              </a:defRPr>
+            </a:lvl9pPr>
+          </a:lstStyle>
+          <a:p>
+            <a:r>
+              <a:rPr lang="en-US" altLang="zh-CN" sz="2400" dirty="0">
                 <a:solidFill>
                   <a:schemeClr val="tx1">
                     <a:lumMod val="75000"/>
@@ -7753,52 +7789,54 @@
                 </a:solidFill>
                 <a:latin typeface="Arial" pitchFamily="34" charset="0"/>
                 <a:cs typeface="Arial" pitchFamily="34" charset="0"/>
-              </a:endParaRPr>
-            </a:p>
-          </p:txBody>
-        </p:sp>
-        <p:cxnSp>
-          <p:nvCxnSpPr>
-            <p:cNvPr id="5" name="Straight Connector 4"/>
-            <p:cNvCxnSpPr/>
-            <p:nvPr/>
-          </p:nvCxnSpPr>
-          <p:spPr>
-            <a:xfrm>
-              <a:off x="6886044" y="1569963"/>
-              <a:ext cx="0" cy="4118672"/>
-            </a:xfrm>
-            <a:prstGeom prst="line">
-              <a:avLst/>
-            </a:prstGeom>
-            <a:ln>
+              </a:rPr>
+              <a:t>2.</a:t>
+            </a:r>
+            <a:r>
+              <a:rPr lang="zh-CN" altLang="en-US" sz="2400" dirty="0">
+                <a:solidFill>
+                  <a:schemeClr val="tx1">
+                    <a:lumMod val="75000"/>
+                    <a:lumOff val="25000"/>
+                  </a:schemeClr>
+                </a:solidFill>
+                <a:latin typeface="Arial" pitchFamily="34" charset="0"/>
+                <a:cs typeface="Arial" pitchFamily="34" charset="0"/>
+              </a:rPr>
+              <a:t> </a:t>
+            </a:r>
+            <a:r>
+              <a:rPr lang="en-US" altLang="zh-CN" sz="2400" dirty="0">
+                <a:solidFill>
+                  <a:schemeClr val="tx1">
+                    <a:lumMod val="75000"/>
+                    <a:lumOff val="25000"/>
+                  </a:schemeClr>
+                </a:solidFill>
+                <a:latin typeface="Arial" pitchFamily="34" charset="0"/>
+                <a:cs typeface="Arial" pitchFamily="34" charset="0"/>
+              </a:rPr>
+              <a:t>Accuracy</a:t>
+            </a:r>
+            <a:endParaRPr lang="en-IN" sz="2400" dirty="0">
               <a:solidFill>
-                <a:schemeClr val="accent4"/>
+                <a:schemeClr val="tx1">
+                  <a:lumMod val="75000"/>
+                  <a:lumOff val="25000"/>
+                </a:schemeClr>
               </a:solidFill>
-            </a:ln>
-          </p:spPr>
-          <p:style>
-            <a:lnRef idx="1">
-              <a:schemeClr val="accent1"/>
-            </a:lnRef>
-            <a:fillRef idx="0">
-              <a:schemeClr val="accent1"/>
-            </a:fillRef>
-            <a:effectRef idx="0">
-              <a:schemeClr val="accent1"/>
-            </a:effectRef>
-            <a:fontRef idx="minor">
-              <a:schemeClr val="tx1"/>
-            </a:fontRef>
-          </p:style>
-        </p:cxnSp>
-      </p:grpSp>
+              <a:latin typeface="Arial" pitchFamily="34" charset="0"/>
+              <a:cs typeface="Arial" pitchFamily="34" charset="0"/>
+            </a:endParaRPr>
+          </a:p>
+        </p:txBody>
+      </p:sp>
       <p:graphicFrame>
         <p:nvGraphicFramePr>
-          <p:cNvPr id="3" name="Table 2">
-            <a:extLst>
-              <a:ext uri="{FF2B5EF4-FFF2-40B4-BE49-F238E27FC236}">
-                <a16:creationId xmlns:a16="http://schemas.microsoft.com/office/drawing/2014/main" id="{4B7D5062-36EF-1B4E-9A51-FE12E4C24410}"/>
+          <p:cNvPr id="9" name="Table 8">
+            <a:extLst>
+              <a:ext uri="{FF2B5EF4-FFF2-40B4-BE49-F238E27FC236}">
+                <a16:creationId xmlns:a16="http://schemas.microsoft.com/office/drawing/2014/main" id="{14EE3032-5EC3-FD46-A096-3492C17651D4}"/>
               </a:ext>
             </a:extLst>
           </p:cNvPr>
@@ -7808,14 +7846,14 @@
           <p:nvPr>
             <p:extLst>
               <p:ext uri="{D42A27DB-BD31-4B8C-83A1-F6EECF244321}">
-                <p14:modId xmlns:p14="http://schemas.microsoft.com/office/powerpoint/2010/main" val="2767021698"/>
+                <p14:modId xmlns:p14="http://schemas.microsoft.com/office/powerpoint/2010/main" val="2117910822"/>
               </p:ext>
             </p:extLst>
           </p:nvPr>
         </p:nvGraphicFramePr>
         <p:xfrm>
-          <a:off x="3533320" y="2332507"/>
-          <a:ext cx="8127999" cy="741680"/>
+          <a:off x="3341462" y="4871853"/>
+          <a:ext cx="7810494" cy="741680"/>
         </p:xfrm>
         <a:graphic>
           <a:graphicData uri="http://schemas.openxmlformats.org/drawingml/2006/table">
@@ -7824,21 +7862,21 @@
                 <a:tableStyleId>{00A15C55-8517-42AA-B614-E9B94910E393}</a:tableStyleId>
               </a:tblPr>
               <a:tblGrid>
-                <a:gridCol w="2709333">
+                <a:gridCol w="2603498">
                   <a:extLst>
                     <a:ext uri="{9D8B030D-6E8A-4147-A177-3AD203B41FA5}">
                       <a16:colId xmlns:a16="http://schemas.microsoft.com/office/drawing/2014/main" val="2889227397"/>
                     </a:ext>
                   </a:extLst>
                 </a:gridCol>
-                <a:gridCol w="2709333">
+                <a:gridCol w="2603498">
                   <a:extLst>
                     <a:ext uri="{9D8B030D-6E8A-4147-A177-3AD203B41FA5}">
                       <a16:colId xmlns:a16="http://schemas.microsoft.com/office/drawing/2014/main" val="389163585"/>
                     </a:ext>
                   </a:extLst>
                 </a:gridCol>
-                <a:gridCol w="2709333">
+                <a:gridCol w="2603498">
                   <a:extLst>
                     <a:ext uri="{9D8B030D-6E8A-4147-A177-3AD203B41FA5}">
                       <a16:colId xmlns:a16="http://schemas.microsoft.com/office/drawing/2014/main" val="4227770890"/>
@@ -7976,7 +8014,7 @@
     </p:spTree>
     <p:extLst>
       <p:ext uri="{BB962C8B-B14F-4D97-AF65-F5344CB8AC3E}">
-        <p14:creationId xmlns:p14="http://schemas.microsoft.com/office/powerpoint/2010/main" val="2587483207"/>
+        <p14:creationId xmlns:p14="http://schemas.microsoft.com/office/powerpoint/2010/main" val="510005253"/>
       </p:ext>
     </p:extLst>
   </p:cSld>
@@ -7986,7 +8024,7 @@
 </p:sld>
 </file>
 
-<file path=ppt/slides/slide8.xml><?xml version="1.0" encoding="utf-8"?>
+<file path=ppt/slides/slide7.xml><?xml version="1.0" encoding="utf-8"?>
 <p:sld xmlns:a="http://schemas.openxmlformats.org/drawingml/2006/main" xmlns:r="http://schemas.openxmlformats.org/officeDocument/2006/relationships" xmlns:p="http://schemas.openxmlformats.org/presentationml/2006/main">
   <p:cSld>
     <p:spTree>
@@ -8025,24 +8063,12 @@
           <a:lstStyle/>
           <a:p>
             <a:r>
+              <a:rPr lang="en-US" dirty="0"/>
+              <a:t>Su</a:t>
+            </a:r>
+            <a:r>
               <a:rPr lang="en-US" altLang="zh-CN" dirty="0"/>
-              <a:t>Advantage</a:t>
-            </a:r>
-            <a:r>
-              <a:rPr lang="zh-CN" altLang="en-US" dirty="0"/>
-              <a:t> </a:t>
-            </a:r>
-            <a:r>
-              <a:rPr lang="en-US" altLang="zh-CN" dirty="0"/>
-              <a:t>&amp;</a:t>
-            </a:r>
-            <a:r>
-              <a:rPr lang="zh-CN" altLang="en-US" dirty="0"/>
-              <a:t> </a:t>
-            </a:r>
-            <a:r>
-              <a:rPr lang="en-US" altLang="zh-CN" dirty="0"/>
-              <a:t>Limitations</a:t>
+              <a:t>mmary</a:t>
             </a:r>
             <a:endParaRPr lang="en-US" dirty="0"/>
           </a:p>
@@ -8075,7 +8101,7 @@
           <a:p>
             <a:r>
               <a:rPr lang="en-US" altLang="zh-CN" dirty="0"/>
-              <a:t>Faster</a:t>
+              <a:t>Workflow:</a:t>
             </a:r>
             <a:r>
               <a:rPr lang="zh-CN" altLang="en-US" dirty="0"/>
@@ -8083,7 +8109,7 @@
             </a:r>
             <a:r>
               <a:rPr lang="en-US" altLang="zh-CN" dirty="0"/>
-              <a:t>implementation</a:t>
+              <a:t>get</a:t>
             </a:r>
             <a:r>
               <a:rPr lang="zh-CN" altLang="en-US" dirty="0"/>
@@ -8091,7 +8117,7 @@
             </a:r>
             <a:r>
               <a:rPr lang="en-US" altLang="zh-CN" dirty="0"/>
-              <a:t>of</a:t>
+              <a:t>to</a:t>
             </a:r>
             <a:r>
               <a:rPr lang="zh-CN" altLang="en-US" dirty="0"/>
@@ -8099,7 +8125,7 @@
             </a:r>
             <a:r>
               <a:rPr lang="en-US" altLang="zh-CN" dirty="0"/>
-              <a:t>gradient</a:t>
+              <a:t>know</a:t>
             </a:r>
             <a:r>
               <a:rPr lang="zh-CN" altLang="en-US" dirty="0"/>
@@ -8107,6 +8133,183 @@
             </a:r>
             <a:r>
               <a:rPr lang="en-US" altLang="zh-CN" dirty="0"/>
+              <a:t>gradient</a:t>
+            </a:r>
+            <a:r>
+              <a:rPr lang="zh-CN" altLang="en-US" dirty="0"/>
+              <a:t> </a:t>
+            </a:r>
+            <a:r>
+              <a:rPr lang="en-US" altLang="zh-CN" dirty="0"/>
+              <a:t>boosting</a:t>
+            </a:r>
+            <a:r>
+              <a:rPr lang="zh-CN" altLang="en-US" dirty="0"/>
+              <a:t> </a:t>
+            </a:r>
+            <a:r>
+              <a:rPr lang="en-US" altLang="zh-CN" dirty="0"/>
+              <a:t>-&gt;</a:t>
+            </a:r>
+            <a:r>
+              <a:rPr lang="zh-CN" altLang="en-US" dirty="0"/>
+              <a:t> </a:t>
+            </a:r>
+            <a:r>
+              <a:rPr lang="en-US" altLang="zh-CN" dirty="0"/>
+              <a:t>fancy</a:t>
+            </a:r>
+            <a:r>
+              <a:rPr lang="zh-CN" altLang="en-US" dirty="0"/>
+              <a:t> </a:t>
+            </a:r>
+            <a:r>
+              <a:rPr lang="en-US" altLang="zh-CN" dirty="0"/>
+              <a:t>deep</a:t>
+            </a:r>
+            <a:r>
+              <a:rPr lang="zh-CN" altLang="en-US" dirty="0"/>
+              <a:t> </a:t>
+            </a:r>
+            <a:r>
+              <a:rPr lang="en-US" altLang="zh-CN" dirty="0"/>
+              <a:t>learning</a:t>
+            </a:r>
+            <a:r>
+              <a:rPr lang="zh-CN" altLang="en-US" dirty="0"/>
+              <a:t> </a:t>
+            </a:r>
+            <a:r>
+              <a:rPr lang="en-US" altLang="zh-CN" dirty="0"/>
+              <a:t>studies</a:t>
+            </a:r>
+            <a:r>
+              <a:rPr lang="zh-CN" altLang="en-US" dirty="0"/>
+              <a:t> </a:t>
+            </a:r>
+            <a:r>
+              <a:rPr lang="en-US" altLang="zh-CN" dirty="0"/>
+              <a:t>-&gt;</a:t>
+            </a:r>
+            <a:r>
+              <a:rPr lang="zh-CN" altLang="en-US" dirty="0"/>
+              <a:t> </a:t>
+            </a:r>
+            <a:r>
+              <a:rPr lang="en-US" altLang="zh-CN" dirty="0"/>
+              <a:t>back</a:t>
+            </a:r>
+            <a:r>
+              <a:rPr lang="zh-CN" altLang="en-US" dirty="0"/>
+              <a:t> </a:t>
+            </a:r>
+            <a:r>
+              <a:rPr lang="en-US" altLang="zh-CN" dirty="0"/>
+              <a:t>to</a:t>
+            </a:r>
+            <a:r>
+              <a:rPr lang="zh-CN" altLang="en-US" dirty="0"/>
+              <a:t> </a:t>
+            </a:r>
+            <a:r>
+              <a:rPr lang="en-US" altLang="zh-CN" dirty="0" err="1"/>
+              <a:t>XGBoost</a:t>
+            </a:r>
+            <a:r>
+              <a:rPr lang="zh-CN" altLang="en-US" dirty="0"/>
+              <a:t> </a:t>
+            </a:r>
+            <a:r>
+              <a:rPr lang="en-US" altLang="zh-CN" dirty="0"/>
+              <a:t>-&gt;</a:t>
+            </a:r>
+            <a:r>
+              <a:rPr lang="zh-CN" altLang="en-US" dirty="0"/>
+              <a:t> </a:t>
+            </a:r>
+            <a:r>
+              <a:rPr lang="en-US" altLang="zh-CN" dirty="0"/>
+              <a:t>tune</a:t>
+            </a:r>
+            <a:r>
+              <a:rPr lang="zh-CN" altLang="en-US" dirty="0"/>
+              <a:t> </a:t>
+            </a:r>
+            <a:r>
+              <a:rPr lang="en-US" altLang="zh-CN" dirty="0"/>
+              <a:t>different</a:t>
+            </a:r>
+            <a:r>
+              <a:rPr lang="zh-CN" altLang="en-US" dirty="0"/>
+              <a:t> </a:t>
+            </a:r>
+            <a:r>
+              <a:rPr lang="en-US" altLang="zh-CN" dirty="0"/>
+              <a:t>parameters</a:t>
+            </a:r>
+            <a:r>
+              <a:rPr lang="zh-CN" altLang="en-US" dirty="0"/>
+              <a:t> </a:t>
+            </a:r>
+            <a:r>
+              <a:rPr lang="en-US" altLang="zh-CN" dirty="0"/>
+              <a:t>&amp;</a:t>
+            </a:r>
+            <a:r>
+              <a:rPr lang="zh-CN" altLang="en-US" dirty="0"/>
+              <a:t> </a:t>
+            </a:r>
+            <a:r>
+              <a:rPr lang="en-US" altLang="zh-CN" dirty="0"/>
+              <a:t>faster</a:t>
+            </a:r>
+            <a:r>
+              <a:rPr lang="zh-CN" altLang="en-US" dirty="0"/>
+              <a:t> </a:t>
+            </a:r>
+            <a:r>
+              <a:rPr lang="en-US" altLang="zh-CN" dirty="0"/>
+              <a:t>code</a:t>
+            </a:r>
+          </a:p>
+          <a:p>
+            <a:endParaRPr lang="en-US" altLang="zh-CN" dirty="0"/>
+          </a:p>
+          <a:p>
+            <a:r>
+              <a:rPr lang="en-US" altLang="zh-CN" dirty="0"/>
+              <a:t>Faster</a:t>
+            </a:r>
+            <a:r>
+              <a:rPr lang="zh-CN" altLang="en-US" dirty="0"/>
+              <a:t> </a:t>
+            </a:r>
+            <a:r>
+              <a:rPr lang="en-US" altLang="zh-CN" dirty="0"/>
+              <a:t>implementation</a:t>
+            </a:r>
+            <a:r>
+              <a:rPr lang="zh-CN" altLang="en-US" dirty="0"/>
+              <a:t> </a:t>
+            </a:r>
+            <a:r>
+              <a:rPr lang="en-US" altLang="zh-CN" dirty="0"/>
+              <a:t>of</a:t>
+            </a:r>
+            <a:r>
+              <a:rPr lang="zh-CN" altLang="en-US" dirty="0"/>
+              <a:t> </a:t>
+            </a:r>
+            <a:r>
+              <a:rPr lang="en-US" altLang="zh-CN" dirty="0"/>
+              <a:t>gradient</a:t>
+            </a:r>
+            <a:r>
+              <a:rPr lang="zh-CN" altLang="en-US" dirty="0"/>
+              <a:t> </a:t>
+            </a:r>
+            <a:r>
+              <a:rPr lang="en-US" altLang="zh-CN" dirty="0"/>
               <a:t>boosting</a:t>
             </a:r>
           </a:p>
@@ -8124,7 +8327,7 @@
             </a:r>
             <a:r>
               <a:rPr lang="en-US" altLang="zh-CN" dirty="0"/>
-              <a:t>limited</a:t>
+              <a:t>there</a:t>
             </a:r>
             <a:r>
               <a:rPr lang="zh-CN" altLang="en-US" dirty="0"/>
@@ -8132,7 +8335,7 @@
             </a:r>
             <a:r>
               <a:rPr lang="en-US" altLang="zh-CN" dirty="0"/>
-              <a:t>power</a:t>
+              <a:t>is</a:t>
             </a:r>
             <a:r>
               <a:rPr lang="zh-CN" altLang="en-US" dirty="0"/>
@@ -8140,7 +8343,7 @@
             </a:r>
             <a:r>
               <a:rPr lang="en-US" altLang="zh-CN" dirty="0"/>
-              <a:t>of</a:t>
+              <a:t>still</a:t>
             </a:r>
             <a:r>
               <a:rPr lang="zh-CN" altLang="en-US" dirty="0"/>
@@ -8148,7 +8351,63 @@
             </a:r>
             <a:r>
               <a:rPr lang="en-US" altLang="zh-CN" dirty="0"/>
-              <a:t>the</a:t>
+              <a:t>much</a:t>
+            </a:r>
+            <a:r>
+              <a:rPr lang="zh-CN" altLang="en-US" dirty="0"/>
+              <a:t> </a:t>
+            </a:r>
+            <a:r>
+              <a:rPr lang="en-US" altLang="zh-CN" dirty="0"/>
+              <a:t>more</a:t>
+            </a:r>
+            <a:r>
+              <a:rPr lang="zh-CN" altLang="en-US" dirty="0"/>
+              <a:t> </a:t>
+            </a:r>
+            <a:r>
+              <a:rPr lang="en-US" altLang="zh-CN" dirty="0"/>
+              <a:t>we</a:t>
+            </a:r>
+            <a:r>
+              <a:rPr lang="zh-CN" altLang="en-US" dirty="0"/>
+              <a:t> </a:t>
+            </a:r>
+            <a:r>
+              <a:rPr lang="en-US" altLang="zh-CN" dirty="0"/>
+              <a:t>can</a:t>
+            </a:r>
+            <a:r>
+              <a:rPr lang="zh-CN" altLang="en-US" dirty="0"/>
+              <a:t> </a:t>
+            </a:r>
+            <a:r>
+              <a:rPr lang="en-US" altLang="zh-CN" dirty="0"/>
+              <a:t>work</a:t>
+            </a:r>
+            <a:r>
+              <a:rPr lang="zh-CN" altLang="en-US" dirty="0"/>
+              <a:t> </a:t>
+            </a:r>
+            <a:r>
+              <a:rPr lang="en-US" altLang="zh-CN" dirty="0"/>
+              <a:t>on:</a:t>
+            </a:r>
+            <a:r>
+              <a:rPr lang="zh-CN" altLang="en-US" dirty="0"/>
+              <a:t> </a:t>
+            </a:r>
+            <a:r>
+              <a:rPr lang="en-US" altLang="zh-CN" dirty="0"/>
+              <a:t>sampling,</a:t>
+            </a:r>
+            <a:r>
+              <a:rPr lang="zh-CN" altLang="en-US" dirty="0"/>
+              <a:t> </a:t>
+            </a:r>
+            <a:r>
+              <a:rPr lang="en-US" altLang="zh-CN" dirty="0"/>
+              <a:t>powerful</a:t>
             </a:r>
             <a:r>
               <a:rPr lang="zh-CN" altLang="en-US" dirty="0"/>
@@ -8174,7 +8433,7 @@
 </p:sld>
 </file>
 
-<file path=ppt/slides/slide9.xml><?xml version="1.0" encoding="utf-8"?>
+<file path=ppt/slides/slide8.xml><?xml version="1.0" encoding="utf-8"?>
 <p:sld xmlns:a="http://schemas.openxmlformats.org/drawingml/2006/main" xmlns:r="http://schemas.openxmlformats.org/officeDocument/2006/relationships" xmlns:p="http://schemas.openxmlformats.org/presentationml/2006/main">
   <p:cSld>
     <p:spTree>
